--- a/slides/XEM20_S1D4_Logistic_regression.pptx
+++ b/slides/XEM20_S1D4_Logistic_regression.pptx
@@ -8,19 +8,27 @@
     <p:sldId id="256" r:id="rId2"/>
     <p:sldId id="258" r:id="rId3"/>
     <p:sldId id="259" r:id="rId4"/>
-    <p:sldId id="260" r:id="rId5"/>
-    <p:sldId id="262" r:id="rId6"/>
-    <p:sldId id="261" r:id="rId7"/>
-    <p:sldId id="263" r:id="rId8"/>
-    <p:sldId id="264" r:id="rId9"/>
-    <p:sldId id="265" r:id="rId10"/>
-    <p:sldId id="266" r:id="rId11"/>
-    <p:sldId id="267" r:id="rId12"/>
-    <p:sldId id="268" r:id="rId13"/>
-    <p:sldId id="269" r:id="rId14"/>
-    <p:sldId id="270" r:id="rId15"/>
-    <p:sldId id="271" r:id="rId16"/>
-    <p:sldId id="272" r:id="rId17"/>
+    <p:sldId id="280" r:id="rId5"/>
+    <p:sldId id="260" r:id="rId6"/>
+    <p:sldId id="262" r:id="rId7"/>
+    <p:sldId id="261" r:id="rId8"/>
+    <p:sldId id="263" r:id="rId9"/>
+    <p:sldId id="264" r:id="rId10"/>
+    <p:sldId id="265" r:id="rId11"/>
+    <p:sldId id="266" r:id="rId12"/>
+    <p:sldId id="267" r:id="rId13"/>
+    <p:sldId id="268" r:id="rId14"/>
+    <p:sldId id="269" r:id="rId15"/>
+    <p:sldId id="270" r:id="rId16"/>
+    <p:sldId id="271" r:id="rId17"/>
+    <p:sldId id="272" r:id="rId18"/>
+    <p:sldId id="273" r:id="rId19"/>
+    <p:sldId id="274" r:id="rId20"/>
+    <p:sldId id="275" r:id="rId21"/>
+    <p:sldId id="278" r:id="rId22"/>
+    <p:sldId id="277" r:id="rId23"/>
+    <p:sldId id="276" r:id="rId24"/>
+    <p:sldId id="279" r:id="rId25"/>
   </p:sldIdLst>
   <p:sldSz cx="12192000" cy="6858000"/>
   <p:notesSz cx="6858000" cy="9144000"/>
@@ -122,7 +130,7 @@
   <p:extLst>
     <p:ext uri="{EFAFB233-063F-42B5-8137-9DF3F51BA10A}">
       <p15:sldGuideLst xmlns:p15="http://schemas.microsoft.com/office/powerpoint/2012/main">
-        <p15:guide id="1" orient="horz" pos="2183" userDrawn="1">
+        <p15:guide id="1" orient="horz" pos="2160" userDrawn="1">
           <p15:clr>
             <a:srgbClr val="A4A3A4"/>
           </p15:clr>
@@ -3434,38 +3442,203 @@
       </p:grpSpPr>
       <p:sp>
         <p:nvSpPr>
-          <p:cNvPr id="2" name="Title 1">
-            <a:extLst>
-              <a:ext uri="{FF2B5EF4-FFF2-40B4-BE49-F238E27FC236}">
-                <a16:creationId xmlns:a16="http://schemas.microsoft.com/office/drawing/2014/main" id="{1715CEF3-B3DC-7F4B-9704-BBA6AA572877}"/>
-              </a:ext>
-            </a:extLst>
-          </p:cNvPr>
-          <p:cNvSpPr>
-            <a:spLocks noGrp="1"/>
-          </p:cNvSpPr>
-          <p:nvPr>
-            <p:ph type="title"/>
-          </p:nvPr>
+          <p:cNvPr id="3" name="TextBox 2">
+            <a:extLst>
+              <a:ext uri="{FF2B5EF4-FFF2-40B4-BE49-F238E27FC236}">
+                <a16:creationId xmlns:a16="http://schemas.microsoft.com/office/drawing/2014/main" id="{BAFFE59B-EDCF-9949-B814-344CE45726F5}"/>
+              </a:ext>
+            </a:extLst>
+          </p:cNvPr>
+          <p:cNvSpPr txBox="1"/>
+          <p:nvPr/>
         </p:nvSpPr>
-        <p:spPr/>
+        <p:spPr>
+          <a:xfrm>
+            <a:off x="1211065" y="688715"/>
+            <a:ext cx="10202238" cy="369332"/>
+          </a:xfrm>
+          <a:prstGeom prst="rect">
+            <a:avLst/>
+          </a:prstGeom>
+          <a:solidFill>
+            <a:schemeClr val="accent2">
+              <a:lumMod val="75000"/>
+            </a:schemeClr>
+          </a:solidFill>
+        </p:spPr>
         <p:txBody>
-          <a:bodyPr/>
+          <a:bodyPr wrap="square" rtlCol="0">
+            <a:spAutoFit/>
+          </a:bodyPr>
           <a:lstStyle/>
           <a:p>
             <a:r>
+              <a:rPr lang="fr-FR">
+                <a:solidFill>
+                  <a:schemeClr val="bg1">
+                    <a:lumMod val="85000"/>
+                  </a:schemeClr>
+                </a:solidFill>
+              </a:rPr>
+              <a:t>L'</a:t>
+            </a:r>
+            <a:r>
+              <a:rPr lang="fr-FR">
+                <a:solidFill>
+                  <a:schemeClr val="bg1"/>
+                </a:solidFill>
+              </a:rPr>
+              <a:t>histogramme des valeurs estimées</a:t>
+            </a:r>
+            <a:r>
+              <a:rPr lang="fr-FR">
+                <a:solidFill>
+                  <a:schemeClr val="bg1">
+                    <a:lumMod val="85000"/>
+                  </a:schemeClr>
+                </a:solidFill>
+              </a:rPr>
+              <a:t> donne une bonne indication du pouvoir de séparation du modèle</a:t>
+            </a:r>
+          </a:p>
+        </p:txBody>
+      </p:sp>
+      <p:pic>
+        <p:nvPicPr>
+          <p:cNvPr id="5" name="Picture 4">
+            <a:extLst>
+              <a:ext uri="{FF2B5EF4-FFF2-40B4-BE49-F238E27FC236}">
+                <a16:creationId xmlns:a16="http://schemas.microsoft.com/office/drawing/2014/main" id="{3EE1ECA1-7342-AE4A-9C2D-FE165D506278}"/>
+              </a:ext>
+            </a:extLst>
+          </p:cNvPr>
+          <p:cNvPicPr>
+            <a:picLocks noChangeAspect="1"/>
+          </p:cNvPicPr>
+          <p:nvPr/>
+        </p:nvPicPr>
+        <p:blipFill>
+          <a:blip r:embed="rId2"/>
+          <a:stretch>
+            <a:fillRect/>
+          </a:stretch>
+        </p:blipFill>
+        <p:spPr>
+          <a:xfrm>
+            <a:off x="6246688" y="2637258"/>
+            <a:ext cx="5945312" cy="3963541"/>
+          </a:xfrm>
+          <a:prstGeom prst="rect">
+            <a:avLst/>
+          </a:prstGeom>
+        </p:spPr>
+      </p:pic>
+      <p:pic>
+        <p:nvPicPr>
+          <p:cNvPr id="7" name="Picture 6">
+            <a:extLst>
+              <a:ext uri="{FF2B5EF4-FFF2-40B4-BE49-F238E27FC236}">
+                <a16:creationId xmlns:a16="http://schemas.microsoft.com/office/drawing/2014/main" id="{78D910C3-AA33-9E4E-B075-E9B47F7EC04E}"/>
+              </a:ext>
+            </a:extLst>
+          </p:cNvPr>
+          <p:cNvPicPr>
+            <a:picLocks noChangeAspect="1"/>
+          </p:cNvPicPr>
+          <p:nvPr/>
+        </p:nvPicPr>
+        <p:blipFill>
+          <a:blip r:embed="rId3"/>
+          <a:stretch>
+            <a:fillRect/>
+          </a:stretch>
+        </p:blipFill>
+        <p:spPr>
+          <a:xfrm>
+            <a:off x="152826" y="2812203"/>
+            <a:ext cx="5682894" cy="3788596"/>
+          </a:xfrm>
+          <a:prstGeom prst="rect">
+            <a:avLst/>
+          </a:prstGeom>
+        </p:spPr>
+      </p:pic>
+      <p:sp>
+        <p:nvSpPr>
+          <p:cNvPr id="8" name="TextBox 7">
+            <a:extLst>
+              <a:ext uri="{FF2B5EF4-FFF2-40B4-BE49-F238E27FC236}">
+                <a16:creationId xmlns:a16="http://schemas.microsoft.com/office/drawing/2014/main" id="{A05D3BBE-5AB8-D04B-B22E-E853823E5880}"/>
+              </a:ext>
+            </a:extLst>
+          </p:cNvPr>
+          <p:cNvSpPr txBox="1"/>
+          <p:nvPr/>
+        </p:nvSpPr>
+        <p:spPr>
+          <a:xfrm>
+            <a:off x="2465798" y="2126751"/>
+            <a:ext cx="1732975" cy="369332"/>
+          </a:xfrm>
+          <a:prstGeom prst="rect">
+            <a:avLst/>
+          </a:prstGeom>
+          <a:noFill/>
+        </p:spPr>
+        <p:txBody>
+          <a:bodyPr wrap="none" rtlCol="0">
+            <a:spAutoFit/>
+          </a:bodyPr>
+          <a:lstStyle/>
+          <a:p>
+            <a:r>
               <a:rPr lang="fr-FR"/>
-              <a:t>Valeurs prédites</a:t>
+              <a:t>Mauvais modèle</a:t>
             </a:r>
           </a:p>
         </p:txBody>
       </p:sp>
       <p:sp>
         <p:nvSpPr>
-          <p:cNvPr id="3" name="Rectangle 2">
-            <a:extLst>
-              <a:ext uri="{FF2B5EF4-FFF2-40B4-BE49-F238E27FC236}">
-                <a16:creationId xmlns:a16="http://schemas.microsoft.com/office/drawing/2014/main" id="{230C349B-B312-CA47-8C10-5E134550FA1F}"/>
+          <p:cNvPr id="9" name="TextBox 8">
+            <a:extLst>
+              <a:ext uri="{FF2B5EF4-FFF2-40B4-BE49-F238E27FC236}">
+                <a16:creationId xmlns:a16="http://schemas.microsoft.com/office/drawing/2014/main" id="{8FE65DFF-0BB7-A845-8D9F-96CBE7A64C90}"/>
+              </a:ext>
+            </a:extLst>
+          </p:cNvPr>
+          <p:cNvSpPr txBox="1"/>
+          <p:nvPr/>
+        </p:nvSpPr>
+        <p:spPr>
+          <a:xfrm>
+            <a:off x="7993229" y="2126751"/>
+            <a:ext cx="1786771" cy="369332"/>
+          </a:xfrm>
+          <a:prstGeom prst="rect">
+            <a:avLst/>
+          </a:prstGeom>
+          <a:noFill/>
+        </p:spPr>
+        <p:txBody>
+          <a:bodyPr wrap="none" rtlCol="0">
+            <a:spAutoFit/>
+          </a:bodyPr>
+          <a:lstStyle/>
+          <a:p>
+            <a:r>
+              <a:rPr lang="fr-FR"/>
+              <a:t>Excellent modèle</a:t>
+            </a:r>
+          </a:p>
+        </p:txBody>
+      </p:sp>
+      <p:sp>
+        <p:nvSpPr>
+          <p:cNvPr id="12" name="Rectangle 11">
+            <a:extLst>
+              <a:ext uri="{FF2B5EF4-FFF2-40B4-BE49-F238E27FC236}">
+                <a16:creationId xmlns:a16="http://schemas.microsoft.com/office/drawing/2014/main" id="{2F929B72-DF51-8A4F-82B4-E3BA3995B38E}"/>
               </a:ext>
             </a:extLst>
           </p:cNvPr>
@@ -3503,6 +3676,107 @@
           </a:p>
         </p:txBody>
       </p:sp>
+    </p:spTree>
+    <p:extLst>
+      <p:ext uri="{BB962C8B-B14F-4D97-AF65-F5344CB8AC3E}">
+        <p14:creationId xmlns:p14="http://schemas.microsoft.com/office/powerpoint/2010/main" val="499530351"/>
+      </p:ext>
+    </p:extLst>
+  </p:cSld>
+  <p:clrMapOvr>
+    <a:masterClrMapping/>
+  </p:clrMapOvr>
+</p:sld>
+</file>
+
+<file path=ppt/slides/slide11.xml><?xml version="1.0" encoding="utf-8"?>
+<p:sld xmlns:a="http://schemas.openxmlformats.org/drawingml/2006/main" xmlns:r="http://schemas.openxmlformats.org/officeDocument/2006/relationships" xmlns:p="http://schemas.openxmlformats.org/presentationml/2006/main">
+  <p:cSld>
+    <p:spTree>
+      <p:nvGrpSpPr>
+        <p:cNvPr id="1" name=""/>
+        <p:cNvGrpSpPr/>
+        <p:nvPr/>
+      </p:nvGrpSpPr>
+      <p:grpSpPr>
+        <a:xfrm>
+          <a:off x="0" y="0"/>
+          <a:ext cx="0" cy="0"/>
+          <a:chOff x="0" y="0"/>
+          <a:chExt cx="0" cy="0"/>
+        </a:xfrm>
+      </p:grpSpPr>
+      <p:sp>
+        <p:nvSpPr>
+          <p:cNvPr id="2" name="Title 1">
+            <a:extLst>
+              <a:ext uri="{FF2B5EF4-FFF2-40B4-BE49-F238E27FC236}">
+                <a16:creationId xmlns:a16="http://schemas.microsoft.com/office/drawing/2014/main" id="{1715CEF3-B3DC-7F4B-9704-BBA6AA572877}"/>
+              </a:ext>
+            </a:extLst>
+          </p:cNvPr>
+          <p:cNvSpPr>
+            <a:spLocks noGrp="1"/>
+          </p:cNvSpPr>
+          <p:nvPr>
+            <p:ph type="title"/>
+          </p:nvPr>
+        </p:nvSpPr>
+        <p:spPr/>
+        <p:txBody>
+          <a:bodyPr/>
+          <a:lstStyle/>
+          <a:p>
+            <a:r>
+              <a:rPr lang="fr-FR"/>
+              <a:t>Valeurs prédites</a:t>
+            </a:r>
+          </a:p>
+        </p:txBody>
+      </p:sp>
+      <p:sp>
+        <p:nvSpPr>
+          <p:cNvPr id="3" name="Rectangle 2">
+            <a:extLst>
+              <a:ext uri="{FF2B5EF4-FFF2-40B4-BE49-F238E27FC236}">
+                <a16:creationId xmlns:a16="http://schemas.microsoft.com/office/drawing/2014/main" id="{230C349B-B312-CA47-8C10-5E134550FA1F}"/>
+              </a:ext>
+            </a:extLst>
+          </p:cNvPr>
+          <p:cNvSpPr/>
+          <p:nvPr/>
+        </p:nvSpPr>
+        <p:spPr>
+          <a:xfrm>
+            <a:off x="1211065" y="1441299"/>
+            <a:ext cx="6939720" cy="369332"/>
+          </a:xfrm>
+          <a:prstGeom prst="rect">
+            <a:avLst/>
+          </a:prstGeom>
+          <a:solidFill>
+            <a:schemeClr val="tx1"/>
+          </a:solidFill>
+        </p:spPr>
+        <p:txBody>
+          <a:bodyPr wrap="none">
+            <a:spAutoFit/>
+          </a:bodyPr>
+          <a:lstStyle/>
+          <a:p>
+            <a:r>
+              <a:rPr lang="fr-FR">
+                <a:solidFill>
+                  <a:schemeClr val="bg1"/>
+                </a:solidFill>
+                <a:latin typeface="Courier New" panose="02070309020205020404" pitchFamily="49" charset="0"/>
+                <a:cs typeface="Courier New" panose="02070309020205020404" pitchFamily="49" charset="0"/>
+              </a:rPr>
+              <a:t>yhat = results.predict(df[['income', 'balance']])</a:t>
+            </a:r>
+          </a:p>
+        </p:txBody>
+      </p:sp>
       <p:sp>
         <p:nvSpPr>
           <p:cNvPr id="4" name="Rectangle 3">
@@ -3607,7 +3881,7 @@
 </p:sld>
 </file>
 
-<file path=ppt/slides/slide11.xml><?xml version="1.0" encoding="utf-8"?>
+<file path=ppt/slides/slide12.xml><?xml version="1.0" encoding="utf-8"?>
 <p:sld xmlns:a="http://schemas.openxmlformats.org/drawingml/2006/main" xmlns:r="http://schemas.openxmlformats.org/officeDocument/2006/relationships" xmlns:p="http://schemas.openxmlformats.org/presentationml/2006/main">
   <p:cSld>
     <p:spTree>
@@ -4430,7 +4704,7 @@
 </p:sld>
 </file>
 
-<file path=ppt/slides/slide12.xml><?xml version="1.0" encoding="utf-8"?>
+<file path=ppt/slides/slide13.xml><?xml version="1.0" encoding="utf-8"?>
 <p:sld xmlns:a="http://schemas.openxmlformats.org/drawingml/2006/main" xmlns:r="http://schemas.openxmlformats.org/officeDocument/2006/relationships" xmlns:p="http://schemas.openxmlformats.org/presentationml/2006/main">
   <p:cSld>
     <p:spTree>
@@ -5279,7 +5553,7 @@
 </p:sld>
 </file>
 
-<file path=ppt/slides/slide13.xml><?xml version="1.0" encoding="utf-8"?>
+<file path=ppt/slides/slide14.xml><?xml version="1.0" encoding="utf-8"?>
 <p:sld xmlns:a="http://schemas.openxmlformats.org/drawingml/2006/main" xmlns:r="http://schemas.openxmlformats.org/officeDocument/2006/relationships" xmlns:p="http://schemas.openxmlformats.org/presentationml/2006/main">
   <p:cSld>
     <p:spTree>
@@ -6436,7 +6710,7 @@
 </p:sld>
 </file>
 
-<file path=ppt/slides/slide14.xml><?xml version="1.0" encoding="utf-8"?>
+<file path=ppt/slides/slide15.xml><?xml version="1.0" encoding="utf-8"?>
 <p:sld xmlns:a="http://schemas.openxmlformats.org/drawingml/2006/main" xmlns:r="http://schemas.openxmlformats.org/officeDocument/2006/relationships" xmlns:p="http://schemas.openxmlformats.org/presentationml/2006/main">
   <p:cSld>
     <p:spTree>
@@ -6496,7 +6770,7 @@
 </p:sld>
 </file>
 
-<file path=ppt/slides/slide15.xml><?xml version="1.0" encoding="utf-8"?>
+<file path=ppt/slides/slide16.xml><?xml version="1.0" encoding="utf-8"?>
 <p:sld xmlns:a="http://schemas.openxmlformats.org/drawingml/2006/main" xmlns:r="http://schemas.openxmlformats.org/officeDocument/2006/relationships" xmlns:p="http://schemas.openxmlformats.org/presentationml/2006/main">
   <p:cSld>
     <p:spTree>
@@ -7247,7 +7521,7 @@
 </p:sld>
 </file>
 
-<file path=ppt/slides/slide16.xml><?xml version="1.0" encoding="utf-8"?>
+<file path=ppt/slides/slide17.xml><?xml version="1.0" encoding="utf-8"?>
 <p:sld xmlns:a="http://schemas.openxmlformats.org/drawingml/2006/main" xmlns:r="http://schemas.openxmlformats.org/officeDocument/2006/relationships" xmlns:p="http://schemas.openxmlformats.org/presentationml/2006/main">
   <p:cSld>
     <p:spTree>
@@ -7299,10 +7573,817 @@
           </a:p>
         </p:txBody>
       </p:sp>
+      <p:sp>
+        <p:nvSpPr>
+          <p:cNvPr id="3" name="TextBox 2">
+            <a:extLst>
+              <a:ext uri="{FF2B5EF4-FFF2-40B4-BE49-F238E27FC236}">
+                <a16:creationId xmlns:a16="http://schemas.microsoft.com/office/drawing/2014/main" id="{584366B1-6020-9944-87B4-90459C338C9A}"/>
+              </a:ext>
+            </a:extLst>
+          </p:cNvPr>
+          <p:cNvSpPr txBox="1"/>
+          <p:nvPr/>
+        </p:nvSpPr>
+        <p:spPr>
+          <a:xfrm>
+            <a:off x="554996" y="1205815"/>
+            <a:ext cx="4551260" cy="1477328"/>
+          </a:xfrm>
+          <a:prstGeom prst="rect">
+            <a:avLst/>
+          </a:prstGeom>
+          <a:noFill/>
+        </p:spPr>
+        <p:txBody>
+          <a:bodyPr wrap="square" rtlCol="0">
+            <a:spAutoFit/>
+          </a:bodyPr>
+          <a:lstStyle/>
+          <a:p>
+            <a:r>
+              <a:rPr lang="fr-FR"/>
+              <a:t>Faire varier le seuil de classification impacte aussi le TPR et FPR</a:t>
+            </a:r>
+          </a:p>
+          <a:p>
+            <a:r>
+              <a:rPr lang="fr-FR"/>
+              <a:t>Si on trace la courbe TPR vs FPR en faisant varier le seuil de 0 à 1  on obtient la courbe ROC</a:t>
+            </a:r>
+          </a:p>
+        </p:txBody>
+      </p:sp>
+      <p:pic>
+        <p:nvPicPr>
+          <p:cNvPr id="5" name="Picture 4">
+            <a:extLst>
+              <a:ext uri="{FF2B5EF4-FFF2-40B4-BE49-F238E27FC236}">
+                <a16:creationId xmlns:a16="http://schemas.microsoft.com/office/drawing/2014/main" id="{83A9085C-BB17-494C-AF32-B9286FAB329C}"/>
+              </a:ext>
+            </a:extLst>
+          </p:cNvPr>
+          <p:cNvPicPr>
+            <a:picLocks noChangeAspect="1"/>
+          </p:cNvPicPr>
+          <p:nvPr/>
+        </p:nvPicPr>
+        <p:blipFill>
+          <a:blip r:embed="rId2"/>
+          <a:stretch>
+            <a:fillRect/>
+          </a:stretch>
+        </p:blipFill>
+        <p:spPr>
+          <a:xfrm>
+            <a:off x="4884532" y="409162"/>
+            <a:ext cx="7113641" cy="4037050"/>
+          </a:xfrm>
+          <a:prstGeom prst="rect">
+            <a:avLst/>
+          </a:prstGeom>
+        </p:spPr>
+      </p:pic>
+      <p:sp>
+        <p:nvSpPr>
+          <p:cNvPr id="6" name="TextBox 5">
+            <a:extLst>
+              <a:ext uri="{FF2B5EF4-FFF2-40B4-BE49-F238E27FC236}">
+                <a16:creationId xmlns:a16="http://schemas.microsoft.com/office/drawing/2014/main" id="{10209636-0BC6-C547-AB3C-75E93A1BA17D}"/>
+              </a:ext>
+            </a:extLst>
+          </p:cNvPr>
+          <p:cNvSpPr txBox="1"/>
+          <p:nvPr/>
+        </p:nvSpPr>
+        <p:spPr>
+          <a:xfrm>
+            <a:off x="554996" y="2883678"/>
+            <a:ext cx="3287730" cy="1200329"/>
+          </a:xfrm>
+          <a:prstGeom prst="rect">
+            <a:avLst/>
+          </a:prstGeom>
+          <a:noFill/>
+        </p:spPr>
+        <p:txBody>
+          <a:bodyPr wrap="square" rtlCol="0">
+            <a:spAutoFit/>
+          </a:bodyPr>
+          <a:lstStyle/>
+          <a:p>
+            <a:r>
+              <a:rPr lang="fr-FR"/>
+              <a:t>La surface sous la courbe (Area under the curve) est appelé AUC</a:t>
+            </a:r>
+          </a:p>
+          <a:p>
+            <a:r>
+              <a:rPr lang="fr-FR"/>
+              <a:t>- métrique plus robuste que l'accuracy</a:t>
+            </a:r>
+          </a:p>
+        </p:txBody>
+      </p:sp>
+      <p:sp>
+        <p:nvSpPr>
+          <p:cNvPr id="7" name="Rectangle 6">
+            <a:extLst>
+              <a:ext uri="{FF2B5EF4-FFF2-40B4-BE49-F238E27FC236}">
+                <a16:creationId xmlns:a16="http://schemas.microsoft.com/office/drawing/2014/main" id="{0D3DA3AB-CA49-DA4D-BC71-DFB7339AE095}"/>
+              </a:ext>
+            </a:extLst>
+          </p:cNvPr>
+          <p:cNvSpPr/>
+          <p:nvPr/>
+        </p:nvSpPr>
+        <p:spPr>
+          <a:xfrm>
+            <a:off x="838200" y="4646747"/>
+            <a:ext cx="10068672" cy="2031325"/>
+          </a:xfrm>
+          <a:prstGeom prst="rect">
+            <a:avLst/>
+          </a:prstGeom>
+          <a:solidFill>
+            <a:schemeClr val="tx1"/>
+          </a:solidFill>
+        </p:spPr>
+        <p:txBody>
+          <a:bodyPr wrap="square">
+            <a:spAutoFit/>
+          </a:bodyPr>
+          <a:lstStyle/>
+          <a:p>
+            <a:r>
+              <a:rPr lang="fr-FR">
+                <a:solidFill>
+                  <a:schemeClr val="bg1"/>
+                </a:solidFill>
+                <a:latin typeface="Courier New" panose="02070309020205020404" pitchFamily="49" charset="0"/>
+                <a:cs typeface="Courier New" panose="02070309020205020404" pitchFamily="49" charset="0"/>
+              </a:rPr>
+              <a:t>yhat= results.predict()</a:t>
+            </a:r>
+          </a:p>
+          <a:p>
+            <a:endParaRPr lang="fr-FR">
+              <a:solidFill>
+                <a:schemeClr val="bg1"/>
+              </a:solidFill>
+              <a:latin typeface="Courier New" panose="02070309020205020404" pitchFamily="49" charset="0"/>
+              <a:cs typeface="Courier New" panose="02070309020205020404" pitchFamily="49" charset="0"/>
+            </a:endParaRPr>
+          </a:p>
+          <a:p>
+            <a:r>
+              <a:rPr lang="fr-FR">
+                <a:solidFill>
+                  <a:schemeClr val="bg1"/>
+                </a:solidFill>
+                <a:latin typeface="Courier New" panose="02070309020205020404" pitchFamily="49" charset="0"/>
+                <a:cs typeface="Courier New" panose="02070309020205020404" pitchFamily="49" charset="0"/>
+              </a:rPr>
+              <a:t>from sklearn.metrics import </a:t>
+            </a:r>
+            <a:r>
+              <a:rPr lang="fr-FR">
+                <a:solidFill>
+                  <a:srgbClr val="FFC000"/>
+                </a:solidFill>
+                <a:latin typeface="Courier New" panose="02070309020205020404" pitchFamily="49" charset="0"/>
+                <a:cs typeface="Courier New" panose="02070309020205020404" pitchFamily="49" charset="0"/>
+              </a:rPr>
+              <a:t>roc_curve</a:t>
+            </a:r>
+            <a:endParaRPr lang="fr-FR">
+              <a:solidFill>
+                <a:schemeClr val="bg1"/>
+              </a:solidFill>
+              <a:latin typeface="Courier New" panose="02070309020205020404" pitchFamily="49" charset="0"/>
+              <a:cs typeface="Courier New" panose="02070309020205020404" pitchFamily="49" charset="0"/>
+            </a:endParaRPr>
+          </a:p>
+          <a:p>
+            <a:r>
+              <a:rPr lang="fr-FR">
+                <a:solidFill>
+                  <a:schemeClr val="bg1"/>
+                </a:solidFill>
+                <a:latin typeface="Courier New" panose="02070309020205020404" pitchFamily="49" charset="0"/>
+                <a:cs typeface="Courier New" panose="02070309020205020404" pitchFamily="49" charset="0"/>
+              </a:rPr>
+              <a:t>fpr, tpr, thresholds = roc_curve(df['default'], yhat)</a:t>
+            </a:r>
+          </a:p>
+          <a:p>
+            <a:endParaRPr lang="fr-FR">
+              <a:solidFill>
+                <a:schemeClr val="bg1"/>
+              </a:solidFill>
+              <a:latin typeface="Courier New" panose="02070309020205020404" pitchFamily="49" charset="0"/>
+              <a:cs typeface="Courier New" panose="02070309020205020404" pitchFamily="49" charset="0"/>
+            </a:endParaRPr>
+          </a:p>
+          <a:p>
+            <a:r>
+              <a:rPr lang="fr-FR">
+                <a:solidFill>
+                  <a:schemeClr val="bg1"/>
+                </a:solidFill>
+                <a:latin typeface="Courier New" panose="02070309020205020404" pitchFamily="49" charset="0"/>
+                <a:cs typeface="Courier New" panose="02070309020205020404" pitchFamily="49" charset="0"/>
+              </a:rPr>
+              <a:t>from sklearn.metrics import </a:t>
+            </a:r>
+            <a:r>
+              <a:rPr lang="fr-FR">
+                <a:solidFill>
+                  <a:srgbClr val="FFC000"/>
+                </a:solidFill>
+                <a:latin typeface="Courier New" panose="02070309020205020404" pitchFamily="49" charset="0"/>
+                <a:cs typeface="Courier New" panose="02070309020205020404" pitchFamily="49" charset="0"/>
+              </a:rPr>
+              <a:t>roc_auc_score</a:t>
+            </a:r>
+          </a:p>
+          <a:p>
+            <a:r>
+              <a:rPr lang="fr-FR">
+                <a:solidFill>
+                  <a:schemeClr val="bg1"/>
+                </a:solidFill>
+                <a:latin typeface="Courier New" panose="02070309020205020404" pitchFamily="49" charset="0"/>
+                <a:cs typeface="Courier New" panose="02070309020205020404" pitchFamily="49" charset="0"/>
+              </a:rPr>
+              <a:t>score = roc_auc_score(y, yhat_proba)</a:t>
+            </a:r>
+          </a:p>
+        </p:txBody>
+      </p:sp>
     </p:spTree>
     <p:extLst>
       <p:ext uri="{BB962C8B-B14F-4D97-AF65-F5344CB8AC3E}">
         <p14:creationId xmlns:p14="http://schemas.microsoft.com/office/powerpoint/2010/main" val="2389442482"/>
+      </p:ext>
+    </p:extLst>
+  </p:cSld>
+  <p:clrMapOvr>
+    <a:masterClrMapping/>
+  </p:clrMapOvr>
+</p:sld>
+</file>
+
+<file path=ppt/slides/slide18.xml><?xml version="1.0" encoding="utf-8"?>
+<p:sld xmlns:a="http://schemas.openxmlformats.org/drawingml/2006/main" xmlns:r="http://schemas.openxmlformats.org/officeDocument/2006/relationships" xmlns:p="http://schemas.openxmlformats.org/presentationml/2006/main">
+  <p:cSld>
+    <p:spTree>
+      <p:nvGrpSpPr>
+        <p:cNvPr id="1" name=""/>
+        <p:cNvGrpSpPr/>
+        <p:nvPr/>
+      </p:nvGrpSpPr>
+      <p:grpSpPr>
+        <a:xfrm>
+          <a:off x="0" y="0"/>
+          <a:ext cx="0" cy="0"/>
+          <a:chOff x="0" y="0"/>
+          <a:chExt cx="0" cy="0"/>
+        </a:xfrm>
+      </p:grpSpPr>
+      <p:sp>
+        <p:nvSpPr>
+          <p:cNvPr id="2" name="Title 1">
+            <a:extLst>
+              <a:ext uri="{FF2B5EF4-FFF2-40B4-BE49-F238E27FC236}">
+                <a16:creationId xmlns:a16="http://schemas.microsoft.com/office/drawing/2014/main" id="{5753A861-5A80-8F47-87D4-7CB73BD1C1F8}"/>
+              </a:ext>
+            </a:extLst>
+          </p:cNvPr>
+          <p:cNvSpPr>
+            <a:spLocks noGrp="1"/>
+          </p:cNvSpPr>
+          <p:nvPr>
+            <p:ph type="title"/>
+          </p:nvPr>
+        </p:nvSpPr>
+        <p:spPr/>
+        <p:txBody>
+          <a:bodyPr/>
+          <a:lstStyle/>
+          <a:p>
+            <a:r>
+              <a:rPr lang="fr-FR"/>
+              <a:t>Le paradoxe de l'accuracy</a:t>
+            </a:r>
+          </a:p>
+        </p:txBody>
+      </p:sp>
+      <p:sp>
+        <p:nvSpPr>
+          <p:cNvPr id="6" name="TextBox 5">
+            <a:extLst>
+              <a:ext uri="{FF2B5EF4-FFF2-40B4-BE49-F238E27FC236}">
+                <a16:creationId xmlns:a16="http://schemas.microsoft.com/office/drawing/2014/main" id="{05674DF2-A0C8-0D4B-9749-A6E0F5F6D83C}"/>
+              </a:ext>
+            </a:extLst>
+          </p:cNvPr>
+          <p:cNvSpPr txBox="1"/>
+          <p:nvPr/>
+        </p:nvSpPr>
+        <p:spPr>
+          <a:xfrm>
+            <a:off x="791110" y="1900719"/>
+            <a:ext cx="4900773" cy="3139321"/>
+          </a:xfrm>
+          <a:prstGeom prst="rect">
+            <a:avLst/>
+          </a:prstGeom>
+          <a:noFill/>
+        </p:spPr>
+        <p:txBody>
+          <a:bodyPr wrap="square" rtlCol="0">
+            <a:spAutoFit/>
+          </a:bodyPr>
+          <a:lstStyle/>
+          <a:p>
+            <a:r>
+              <a:rPr lang="fr-FR"/>
+              <a:t>si on prends le dataset original de credit default on a en fait</a:t>
+            </a:r>
+          </a:p>
+          <a:p>
+            <a:r>
+              <a:rPr lang="fr-FR">
+                <a:solidFill>
+                  <a:schemeClr val="bg1"/>
+                </a:solidFill>
+                <a:latin typeface="Courier New" panose="02070309020205020404" pitchFamily="49" charset="0"/>
+                <a:cs typeface="Courier New" panose="02070309020205020404" pitchFamily="49" charset="0"/>
+              </a:rPr>
+              <a:t>from sklearn.metrics import roc_curve, auc</a:t>
+            </a:r>
+          </a:p>
+          <a:p>
+            <a:pPr marL="285750" indent="-285750">
+              <a:buFont typeface="Arial" panose="020B0604020202020204" pitchFamily="34" charset="0"/>
+              <a:buChar char="•"/>
+            </a:pPr>
+            <a:r>
+              <a:rPr lang="fr-FR"/>
+              <a:t>333 default</a:t>
+            </a:r>
+          </a:p>
+          <a:p>
+            <a:pPr marL="285750" indent="-285750">
+              <a:buFont typeface="Arial" panose="020B0604020202020204" pitchFamily="34" charset="0"/>
+              <a:buChar char="•"/>
+            </a:pPr>
+            <a:r>
+              <a:rPr lang="en-US"/>
+              <a:t>9667 non default</a:t>
+            </a:r>
+          </a:p>
+          <a:p>
+            <a:pPr marL="285750" indent="-285750">
+              <a:buFont typeface="Arial" panose="020B0604020202020204" pitchFamily="34" charset="0"/>
+              <a:buChar char="•"/>
+            </a:pPr>
+            <a:endParaRPr lang="en-US"/>
+          </a:p>
+          <a:p>
+            <a:r>
+              <a:rPr lang="en-US"/>
+              <a:t>Un modèle qui prédit tout le temps non default a une accuracy de 96.67%  </a:t>
+            </a:r>
+          </a:p>
+          <a:p>
+            <a:r>
+              <a:rPr lang="en-US"/>
+              <a:t>acc = (9667 + 0) / 10000</a:t>
+            </a:r>
+          </a:p>
+          <a:p>
+            <a:r>
+              <a:rPr lang="en-US"/>
+              <a:t>super!</a:t>
+            </a:r>
+            <a:endParaRPr lang="fr-FR"/>
+          </a:p>
+        </p:txBody>
+      </p:sp>
+      <p:sp>
+        <p:nvSpPr>
+          <p:cNvPr id="7" name="TextBox 6">
+            <a:extLst>
+              <a:ext uri="{FF2B5EF4-FFF2-40B4-BE49-F238E27FC236}">
+                <a16:creationId xmlns:a16="http://schemas.microsoft.com/office/drawing/2014/main" id="{03C43649-5356-C64C-A93A-20F3B85F1201}"/>
+              </a:ext>
+            </a:extLst>
+          </p:cNvPr>
+          <p:cNvSpPr txBox="1"/>
+          <p:nvPr/>
+        </p:nvSpPr>
+        <p:spPr>
+          <a:xfrm>
+            <a:off x="6256962" y="1952090"/>
+            <a:ext cx="4045979" cy="2862322"/>
+          </a:xfrm>
+          <a:prstGeom prst="rect">
+            <a:avLst/>
+          </a:prstGeom>
+          <a:noFill/>
+        </p:spPr>
+        <p:txBody>
+          <a:bodyPr wrap="none" rtlCol="0">
+            <a:spAutoFit/>
+          </a:bodyPr>
+          <a:lstStyle/>
+          <a:p>
+            <a:r>
+              <a:rPr lang="fr-FR"/>
+              <a:t>A vous</a:t>
+            </a:r>
+          </a:p>
+          <a:p>
+            <a:endParaRPr lang="fr-FR"/>
+          </a:p>
+          <a:p>
+            <a:r>
+              <a:rPr lang="fr-FR"/>
+              <a:t>sur le dataset credit complet</a:t>
+            </a:r>
+          </a:p>
+          <a:p>
+            <a:r>
+              <a:rPr lang="fr-FR"/>
+              <a:t>le modele </a:t>
+            </a:r>
+          </a:p>
+          <a:p>
+            <a:pPr marL="285750" indent="-285750">
+              <a:buFont typeface="Arial" panose="020B0604020202020204" pitchFamily="34" charset="0"/>
+              <a:buChar char="•"/>
+            </a:pPr>
+            <a:r>
+              <a:rPr lang="fr-FR"/>
+              <a:t>'default ~ income + balance + student'</a:t>
+            </a:r>
+          </a:p>
+          <a:p>
+            <a:pPr marL="285750" indent="-285750">
+              <a:buFont typeface="Arial" panose="020B0604020202020204" pitchFamily="34" charset="0"/>
+              <a:buChar char="•"/>
+            </a:pPr>
+            <a:r>
+              <a:rPr lang="fr-FR"/>
+              <a:t>matrice de confusion</a:t>
+            </a:r>
+          </a:p>
+          <a:p>
+            <a:pPr marL="285750" indent="-285750">
+              <a:buFont typeface="Arial" panose="020B0604020202020204" pitchFamily="34" charset="0"/>
+              <a:buChar char="•"/>
+            </a:pPr>
+            <a:r>
+              <a:rPr lang="fr-FR"/>
+              <a:t>accuracy</a:t>
+            </a:r>
+          </a:p>
+          <a:p>
+            <a:pPr marL="285750" indent="-285750">
+              <a:buFont typeface="Arial" panose="020B0604020202020204" pitchFamily="34" charset="0"/>
+              <a:buChar char="•"/>
+            </a:pPr>
+            <a:r>
+              <a:rPr lang="fr-FR"/>
+              <a:t>RUC curve</a:t>
+            </a:r>
+          </a:p>
+          <a:p>
+            <a:pPr marL="285750" indent="-285750">
+              <a:buFont typeface="Arial" panose="020B0604020202020204" pitchFamily="34" charset="0"/>
+              <a:buChar char="•"/>
+            </a:pPr>
+            <a:r>
+              <a:rPr lang="fr-FR"/>
+              <a:t>AUC</a:t>
+            </a:r>
+          </a:p>
+          <a:p>
+            <a:endParaRPr lang="fr-FR"/>
+          </a:p>
+        </p:txBody>
+      </p:sp>
+    </p:spTree>
+    <p:extLst>
+      <p:ext uri="{BB962C8B-B14F-4D97-AF65-F5344CB8AC3E}">
+        <p14:creationId xmlns:p14="http://schemas.microsoft.com/office/powerpoint/2010/main" val="3797309922"/>
+      </p:ext>
+    </p:extLst>
+  </p:cSld>
+  <p:clrMapOvr>
+    <a:masterClrMapping/>
+  </p:clrMapOvr>
+</p:sld>
+</file>
+
+<file path=ppt/slides/slide19.xml><?xml version="1.0" encoding="utf-8"?>
+<p:sld xmlns:a="http://schemas.openxmlformats.org/drawingml/2006/main" xmlns:r="http://schemas.openxmlformats.org/officeDocument/2006/relationships" xmlns:p="http://schemas.openxmlformats.org/presentationml/2006/main">
+  <p:cSld>
+    <p:spTree>
+      <p:nvGrpSpPr>
+        <p:cNvPr id="1" name=""/>
+        <p:cNvGrpSpPr/>
+        <p:nvPr/>
+      </p:nvGrpSpPr>
+      <p:grpSpPr>
+        <a:xfrm>
+          <a:off x="0" y="0"/>
+          <a:ext cx="0" cy="0"/>
+          <a:chOff x="0" y="0"/>
+          <a:chExt cx="0" cy="0"/>
+        </a:xfrm>
+      </p:grpSpPr>
+      <p:sp>
+        <p:nvSpPr>
+          <p:cNvPr id="2" name="Title 1">
+            <a:extLst>
+              <a:ext uri="{FF2B5EF4-FFF2-40B4-BE49-F238E27FC236}">
+                <a16:creationId xmlns:a16="http://schemas.microsoft.com/office/drawing/2014/main" id="{4BE71EEC-FB92-304D-9BA2-023FC5C93436}"/>
+              </a:ext>
+            </a:extLst>
+          </p:cNvPr>
+          <p:cNvSpPr>
+            <a:spLocks noGrp="1"/>
+          </p:cNvSpPr>
+          <p:nvPr>
+            <p:ph type="title"/>
+          </p:nvPr>
+        </p:nvSpPr>
+        <p:spPr/>
+        <p:txBody>
+          <a:bodyPr/>
+          <a:lstStyle/>
+          <a:p>
+            <a:r>
+              <a:rPr lang="fr-FR"/>
+              <a:t>Prédicteurs catégorique – régression linéaire</a:t>
+            </a:r>
+          </a:p>
+        </p:txBody>
+      </p:sp>
+      <p:sp>
+        <p:nvSpPr>
+          <p:cNvPr id="4" name="TextBox 3">
+            <a:extLst>
+              <a:ext uri="{FF2B5EF4-FFF2-40B4-BE49-F238E27FC236}">
+                <a16:creationId xmlns:a16="http://schemas.microsoft.com/office/drawing/2014/main" id="{C33610B3-0D04-D144-AF42-1CCBFEC3E438}"/>
+              </a:ext>
+            </a:extLst>
+          </p:cNvPr>
+          <p:cNvSpPr txBox="1"/>
+          <p:nvPr/>
+        </p:nvSpPr>
+        <p:spPr>
+          <a:xfrm>
+            <a:off x="838200" y="1859622"/>
+            <a:ext cx="8050602" cy="923330"/>
+          </a:xfrm>
+          <a:prstGeom prst="rect">
+            <a:avLst/>
+          </a:prstGeom>
+          <a:noFill/>
+        </p:spPr>
+        <p:txBody>
+          <a:bodyPr wrap="none" rtlCol="0">
+            <a:spAutoFit/>
+          </a:bodyPr>
+          <a:lstStyle/>
+          <a:p>
+            <a:pPr marL="285750" indent="-285750">
+              <a:buFont typeface="Arial" panose="020B0604020202020204" pitchFamily="34" charset="0"/>
+              <a:buChar char="•"/>
+            </a:pPr>
+            <a:r>
+              <a:rPr lang="fr-FR"/>
+              <a:t>Load auto-mpg</a:t>
+            </a:r>
+          </a:p>
+          <a:p>
+            <a:pPr marL="285750" indent="-285750">
+              <a:buFont typeface="Arial" panose="020B0604020202020204" pitchFamily="34" charset="0"/>
+              <a:buChar char="•"/>
+            </a:pPr>
+            <a:r>
+              <a:rPr lang="fr-FR"/>
+              <a:t>Origin (3) et name (beaucoup) sont des categories non ordonnées (non ordinal)</a:t>
+            </a:r>
+          </a:p>
+          <a:p>
+            <a:pPr marL="285750" indent="-285750">
+              <a:buFont typeface="Arial" panose="020B0604020202020204" pitchFamily="34" charset="0"/>
+              <a:buChar char="•"/>
+            </a:pPr>
+            <a:r>
+              <a:rPr lang="fr-FR"/>
+              <a:t>Comment prendre en compte l'origin comme predicteur dans un modele linéaire</a:t>
+            </a:r>
+          </a:p>
+        </p:txBody>
+      </p:sp>
+      <p:sp>
+        <p:nvSpPr>
+          <p:cNvPr id="5" name="TextBox 4">
+            <a:extLst>
+              <a:ext uri="{FF2B5EF4-FFF2-40B4-BE49-F238E27FC236}">
+                <a16:creationId xmlns:a16="http://schemas.microsoft.com/office/drawing/2014/main" id="{74330E41-BA5C-6346-A0EA-322E748CB605}"/>
+              </a:ext>
+            </a:extLst>
+          </p:cNvPr>
+          <p:cNvSpPr txBox="1"/>
+          <p:nvPr/>
+        </p:nvSpPr>
+        <p:spPr>
+          <a:xfrm>
+            <a:off x="924674" y="3143892"/>
+            <a:ext cx="5193666" cy="1754326"/>
+          </a:xfrm>
+          <a:prstGeom prst="rect">
+            <a:avLst/>
+          </a:prstGeom>
+          <a:noFill/>
+        </p:spPr>
+        <p:txBody>
+          <a:bodyPr wrap="none" rtlCol="0">
+            <a:spAutoFit/>
+          </a:bodyPr>
+          <a:lstStyle/>
+          <a:p>
+            <a:r>
+              <a:rPr lang="fr-FR"/>
+              <a:t>Avec Pandas, on crée une variable par catégorie (N-1)</a:t>
+            </a:r>
+          </a:p>
+          <a:p>
+            <a:pPr marL="285750" indent="-285750">
+              <a:buFont typeface="Arial" panose="020B0604020202020204" pitchFamily="34" charset="0"/>
+              <a:buChar char="•"/>
+            </a:pPr>
+            <a:r>
+              <a:rPr lang="fr-FR"/>
+              <a:t>American: 0 ou 1</a:t>
+            </a:r>
+          </a:p>
+          <a:p>
+            <a:pPr marL="285750" indent="-285750">
+              <a:buFont typeface="Arial" panose="020B0604020202020204" pitchFamily="34" charset="0"/>
+              <a:buChar char="•"/>
+            </a:pPr>
+            <a:r>
+              <a:rPr lang="fr-FR"/>
+              <a:t>European: 0 ou 1</a:t>
+            </a:r>
+          </a:p>
+          <a:p>
+            <a:pPr marL="285750" indent="-285750">
+              <a:buFont typeface="Arial" panose="020B0604020202020204" pitchFamily="34" charset="0"/>
+              <a:buChar char="•"/>
+            </a:pPr>
+            <a:r>
+              <a:rPr lang="fr-FR"/>
+              <a:t>Japanese: 0 ou 1</a:t>
+            </a:r>
+          </a:p>
+          <a:p>
+            <a:pPr marL="285750" indent="-285750">
+              <a:buFont typeface="Arial" panose="020B0604020202020204" pitchFamily="34" charset="0"/>
+              <a:buChar char="•"/>
+            </a:pPr>
+            <a:endParaRPr lang="fr-FR"/>
+          </a:p>
+          <a:p>
+            <a:r>
+              <a:rPr lang="fr-FR"/>
+              <a:t>Besoin de N -1 nouvelles variables pour N categories</a:t>
+            </a:r>
+          </a:p>
+        </p:txBody>
+      </p:sp>
+      <p:sp>
+        <p:nvSpPr>
+          <p:cNvPr id="6" name="Rectangle 5">
+            <a:extLst>
+              <a:ext uri="{FF2B5EF4-FFF2-40B4-BE49-F238E27FC236}">
+                <a16:creationId xmlns:a16="http://schemas.microsoft.com/office/drawing/2014/main" id="{5D34AC8F-12B3-2B4F-AAA2-BF0BBD5A5B8B}"/>
+              </a:ext>
+            </a:extLst>
+          </p:cNvPr>
+          <p:cNvSpPr/>
+          <p:nvPr/>
+        </p:nvSpPr>
+        <p:spPr>
+          <a:xfrm>
+            <a:off x="431513" y="5259158"/>
+            <a:ext cx="11147461" cy="369332"/>
+          </a:xfrm>
+          <a:prstGeom prst="rect">
+            <a:avLst/>
+          </a:prstGeom>
+          <a:solidFill>
+            <a:schemeClr val="tx1"/>
+          </a:solidFill>
+        </p:spPr>
+        <p:txBody>
+          <a:bodyPr wrap="square">
+            <a:spAutoFit/>
+          </a:bodyPr>
+          <a:lstStyle/>
+          <a:p>
+            <a:r>
+              <a:rPr lang="fr-FR">
+                <a:solidFill>
+                  <a:schemeClr val="bg1"/>
+                </a:solidFill>
+                <a:latin typeface="Courier New" panose="02070309020205020404" pitchFamily="49" charset="0"/>
+                <a:cs typeface="Courier New" panose="02070309020205020404" pitchFamily="49" charset="0"/>
+              </a:rPr>
+              <a:t>df = df.merge(</a:t>
+            </a:r>
+            <a:r>
+              <a:rPr lang="fr-FR">
+                <a:solidFill>
+                  <a:srgbClr val="FFC000"/>
+                </a:solidFill>
+                <a:latin typeface="Courier New" panose="02070309020205020404" pitchFamily="49" charset="0"/>
+                <a:cs typeface="Courier New" panose="02070309020205020404" pitchFamily="49" charset="0"/>
+              </a:rPr>
+              <a:t>pd.get_dummies</a:t>
+            </a:r>
+            <a:r>
+              <a:rPr lang="fr-FR">
+                <a:solidFill>
+                  <a:schemeClr val="bg1"/>
+                </a:solidFill>
+                <a:latin typeface="Courier New" panose="02070309020205020404" pitchFamily="49" charset="0"/>
+                <a:cs typeface="Courier New" panose="02070309020205020404" pitchFamily="49" charset="0"/>
+              </a:rPr>
+              <a:t>(df.origin), left_index=True, right_index= True )</a:t>
+            </a:r>
+          </a:p>
+        </p:txBody>
+      </p:sp>
+      <p:sp>
+        <p:nvSpPr>
+          <p:cNvPr id="7" name="TextBox 6">
+            <a:extLst>
+              <a:ext uri="{FF2B5EF4-FFF2-40B4-BE49-F238E27FC236}">
+                <a16:creationId xmlns:a16="http://schemas.microsoft.com/office/drawing/2014/main" id="{20A5953E-765B-9245-A932-C90926571076}"/>
+              </a:ext>
+            </a:extLst>
+          </p:cNvPr>
+          <p:cNvSpPr txBox="1"/>
+          <p:nvPr/>
+        </p:nvSpPr>
+        <p:spPr>
+          <a:xfrm>
+            <a:off x="924674" y="5889757"/>
+            <a:ext cx="3773149" cy="923330"/>
+          </a:xfrm>
+          <a:prstGeom prst="rect">
+            <a:avLst/>
+          </a:prstGeom>
+          <a:noFill/>
+        </p:spPr>
+        <p:txBody>
+          <a:bodyPr wrap="none" rtlCol="0">
+            <a:spAutoFit/>
+          </a:bodyPr>
+          <a:lstStyle/>
+          <a:p>
+            <a:r>
+              <a:rPr lang="fr-FR"/>
+              <a:t>pd.get_dummies() crée les N variables</a:t>
+            </a:r>
+          </a:p>
+          <a:p>
+            <a:r>
+              <a:rPr lang="fr-FR"/>
+              <a:t>On peut maintenant écrire</a:t>
+            </a:r>
+          </a:p>
+          <a:p>
+            <a:r>
+              <a:rPr lang="fr-FR"/>
+              <a:t>mpg ~ American + European</a:t>
+            </a:r>
+          </a:p>
+        </p:txBody>
+      </p:sp>
+    </p:spTree>
+    <p:extLst>
+      <p:ext uri="{BB962C8B-B14F-4D97-AF65-F5344CB8AC3E}">
+        <p14:creationId xmlns:p14="http://schemas.microsoft.com/office/powerpoint/2010/main" val="3027780274"/>
       </p:ext>
     </p:extLst>
   </p:cSld>
@@ -7499,6 +8580,2921 @@
     <p:extLst>
       <p:ext uri="{BB962C8B-B14F-4D97-AF65-F5344CB8AC3E}">
         <p14:creationId xmlns:p14="http://schemas.microsoft.com/office/powerpoint/2010/main" val="1817982980"/>
+      </p:ext>
+    </p:extLst>
+  </p:cSld>
+  <p:clrMapOvr>
+    <a:masterClrMapping/>
+  </p:clrMapOvr>
+</p:sld>
+</file>
+
+<file path=ppt/slides/slide20.xml><?xml version="1.0" encoding="utf-8"?>
+<p:sld xmlns:a="http://schemas.openxmlformats.org/drawingml/2006/main" xmlns:r="http://schemas.openxmlformats.org/officeDocument/2006/relationships" xmlns:p="http://schemas.openxmlformats.org/presentationml/2006/main">
+  <p:cSld>
+    <p:spTree>
+      <p:nvGrpSpPr>
+        <p:cNvPr id="1" name=""/>
+        <p:cNvGrpSpPr/>
+        <p:nvPr/>
+      </p:nvGrpSpPr>
+      <p:grpSpPr>
+        <a:xfrm>
+          <a:off x="0" y="0"/>
+          <a:ext cx="0" cy="0"/>
+          <a:chOff x="0" y="0"/>
+          <a:chExt cx="0" cy="0"/>
+        </a:xfrm>
+      </p:grpSpPr>
+      <p:sp>
+        <p:nvSpPr>
+          <p:cNvPr id="2" name="Title 1">
+            <a:extLst>
+              <a:ext uri="{FF2B5EF4-FFF2-40B4-BE49-F238E27FC236}">
+                <a16:creationId xmlns:a16="http://schemas.microsoft.com/office/drawing/2014/main" id="{B461E0BF-2111-E241-9C9C-DF97927E5CFF}"/>
+              </a:ext>
+            </a:extLst>
+          </p:cNvPr>
+          <p:cNvSpPr>
+            <a:spLocks noGrp="1"/>
+          </p:cNvSpPr>
+          <p:nvPr>
+            <p:ph type="title"/>
+          </p:nvPr>
+        </p:nvSpPr>
+        <p:spPr/>
+        <p:txBody>
+          <a:bodyPr/>
+          <a:lstStyle/>
+          <a:p>
+            <a:r>
+              <a:rPr lang="fr-FR"/>
+              <a:t>Variable discrete dans statsmodel</a:t>
+            </a:r>
+          </a:p>
+        </p:txBody>
+      </p:sp>
+      <p:sp>
+        <p:nvSpPr>
+          <p:cNvPr id="3" name="TextBox 2">
+            <a:extLst>
+              <a:ext uri="{FF2B5EF4-FFF2-40B4-BE49-F238E27FC236}">
+                <a16:creationId xmlns:a16="http://schemas.microsoft.com/office/drawing/2014/main" id="{B498A5F4-0F53-6E48-BA1E-45BBFBCBB7E5}"/>
+              </a:ext>
+            </a:extLst>
+          </p:cNvPr>
+          <p:cNvSpPr txBox="1"/>
+          <p:nvPr/>
+        </p:nvSpPr>
+        <p:spPr>
+          <a:xfrm>
+            <a:off x="838200" y="1808252"/>
+            <a:ext cx="6259983" cy="1200329"/>
+          </a:xfrm>
+          <a:prstGeom prst="rect">
+            <a:avLst/>
+          </a:prstGeom>
+          <a:noFill/>
+        </p:spPr>
+        <p:txBody>
+          <a:bodyPr wrap="none" rtlCol="0">
+            <a:spAutoFit/>
+          </a:bodyPr>
+          <a:lstStyle/>
+          <a:p>
+            <a:r>
+              <a:rPr lang="fr-FR"/>
+              <a:t>Statsmodels encode les variables categoriques directement avec </a:t>
+            </a:r>
+          </a:p>
+          <a:p>
+            <a:endParaRPr lang="fr-FR"/>
+          </a:p>
+          <a:p>
+            <a:r>
+              <a:rPr lang="fr-FR"/>
+              <a:t>mpg ~ C(origin)</a:t>
+            </a:r>
+          </a:p>
+          <a:p>
+            <a:endParaRPr lang="fr-FR"/>
+          </a:p>
+        </p:txBody>
+      </p:sp>
+    </p:spTree>
+    <p:extLst>
+      <p:ext uri="{BB962C8B-B14F-4D97-AF65-F5344CB8AC3E}">
+        <p14:creationId xmlns:p14="http://schemas.microsoft.com/office/powerpoint/2010/main" val="722111292"/>
+      </p:ext>
+    </p:extLst>
+  </p:cSld>
+  <p:clrMapOvr>
+    <a:masterClrMapping/>
+  </p:clrMapOvr>
+</p:sld>
+</file>
+
+<file path=ppt/slides/slide21.xml><?xml version="1.0" encoding="utf-8"?>
+<p:sld xmlns:a="http://schemas.openxmlformats.org/drawingml/2006/main" xmlns:r="http://schemas.openxmlformats.org/officeDocument/2006/relationships" xmlns:p="http://schemas.openxmlformats.org/presentationml/2006/main">
+  <p:cSld>
+    <p:spTree>
+      <p:nvGrpSpPr>
+        <p:cNvPr id="1" name=""/>
+        <p:cNvGrpSpPr/>
+        <p:nvPr/>
+      </p:nvGrpSpPr>
+      <p:grpSpPr>
+        <a:xfrm>
+          <a:off x="0" y="0"/>
+          <a:ext cx="0" cy="0"/>
+          <a:chOff x="0" y="0"/>
+          <a:chExt cx="0" cy="0"/>
+        </a:xfrm>
+      </p:grpSpPr>
+      <p:sp>
+        <p:nvSpPr>
+          <p:cNvPr id="2" name="Title 1">
+            <a:extLst>
+              <a:ext uri="{FF2B5EF4-FFF2-40B4-BE49-F238E27FC236}">
+                <a16:creationId xmlns:a16="http://schemas.microsoft.com/office/drawing/2014/main" id="{481C1629-345D-3442-BD47-8FAF4E5CC134}"/>
+              </a:ext>
+            </a:extLst>
+          </p:cNvPr>
+          <p:cNvSpPr>
+            <a:spLocks noGrp="1"/>
+          </p:cNvSpPr>
+          <p:nvPr>
+            <p:ph type="title"/>
+          </p:nvPr>
+        </p:nvSpPr>
+        <p:spPr/>
+        <p:txBody>
+          <a:bodyPr/>
+          <a:lstStyle/>
+          <a:p>
+            <a:r>
+              <a:rPr lang="fr-FR"/>
+              <a:t>Interpretation des coefficients des catégories</a:t>
+            </a:r>
+          </a:p>
+        </p:txBody>
+      </p:sp>
+      <p:sp>
+        <p:nvSpPr>
+          <p:cNvPr id="3" name="Rectangle 2">
+            <a:extLst>
+              <a:ext uri="{FF2B5EF4-FFF2-40B4-BE49-F238E27FC236}">
+                <a16:creationId xmlns:a16="http://schemas.microsoft.com/office/drawing/2014/main" id="{FDE63444-998C-BF4F-922A-3D0F6F6D1F2B}"/>
+              </a:ext>
+            </a:extLst>
+          </p:cNvPr>
+          <p:cNvSpPr/>
+          <p:nvPr/>
+        </p:nvSpPr>
+        <p:spPr>
+          <a:xfrm>
+            <a:off x="838200" y="1858129"/>
+            <a:ext cx="9007594" cy="369332"/>
+          </a:xfrm>
+          <a:prstGeom prst="rect">
+            <a:avLst/>
+          </a:prstGeom>
+          <a:solidFill>
+            <a:schemeClr val="tx1"/>
+          </a:solidFill>
+        </p:spPr>
+        <p:txBody>
+          <a:bodyPr wrap="none">
+            <a:spAutoFit/>
+          </a:bodyPr>
+          <a:lstStyle/>
+          <a:p>
+            <a:r>
+              <a:rPr lang="fr-FR">
+                <a:solidFill>
+                  <a:schemeClr val="bg1"/>
+                </a:solidFill>
+                <a:latin typeface="Courier New" panose="02070309020205020404" pitchFamily="49" charset="0"/>
+                <a:cs typeface="Courier New" panose="02070309020205020404" pitchFamily="49" charset="0"/>
+              </a:rPr>
+              <a:t>df[['mpg','origin']].groupby(by = 'origin').mean().reset_index()</a:t>
+            </a:r>
+          </a:p>
+        </p:txBody>
+      </p:sp>
+      <p:sp>
+        <p:nvSpPr>
+          <p:cNvPr id="4" name="TextBox 3">
+            <a:extLst>
+              <a:ext uri="{FF2B5EF4-FFF2-40B4-BE49-F238E27FC236}">
+                <a16:creationId xmlns:a16="http://schemas.microsoft.com/office/drawing/2014/main" id="{3052649A-19C7-104F-A88E-0386A99F15E9}"/>
+              </a:ext>
+            </a:extLst>
+          </p:cNvPr>
+          <p:cNvSpPr txBox="1"/>
+          <p:nvPr/>
+        </p:nvSpPr>
+        <p:spPr>
+          <a:xfrm>
+            <a:off x="838200" y="1488797"/>
+            <a:ext cx="2617063" cy="369332"/>
+          </a:xfrm>
+          <a:prstGeom prst="rect">
+            <a:avLst/>
+          </a:prstGeom>
+          <a:noFill/>
+        </p:spPr>
+        <p:txBody>
+          <a:bodyPr wrap="none" rtlCol="0">
+            <a:spAutoFit/>
+          </a:bodyPr>
+          <a:lstStyle/>
+          <a:p>
+            <a:r>
+              <a:rPr lang="fr-FR"/>
+              <a:t>La moyenne par catégorie</a:t>
+            </a:r>
+          </a:p>
+        </p:txBody>
+      </p:sp>
+      <p:pic>
+        <p:nvPicPr>
+          <p:cNvPr id="6" name="Picture 5">
+            <a:extLst>
+              <a:ext uri="{FF2B5EF4-FFF2-40B4-BE49-F238E27FC236}">
+                <a16:creationId xmlns:a16="http://schemas.microsoft.com/office/drawing/2014/main" id="{92E2D829-14FF-6B4B-A91C-98FF50EA32CC}"/>
+              </a:ext>
+            </a:extLst>
+          </p:cNvPr>
+          <p:cNvPicPr>
+            <a:picLocks noChangeAspect="1"/>
+          </p:cNvPicPr>
+          <p:nvPr/>
+        </p:nvPicPr>
+        <p:blipFill>
+          <a:blip r:embed="rId2"/>
+          <a:stretch>
+            <a:fillRect/>
+          </a:stretch>
+        </p:blipFill>
+        <p:spPr>
+          <a:xfrm>
+            <a:off x="838200" y="4670647"/>
+            <a:ext cx="11010900" cy="1219200"/>
+          </a:xfrm>
+          <a:prstGeom prst="rect">
+            <a:avLst/>
+          </a:prstGeom>
+        </p:spPr>
+      </p:pic>
+      <p:pic>
+        <p:nvPicPr>
+          <p:cNvPr id="8" name="Picture 7">
+            <a:extLst>
+              <a:ext uri="{FF2B5EF4-FFF2-40B4-BE49-F238E27FC236}">
+                <a16:creationId xmlns:a16="http://schemas.microsoft.com/office/drawing/2014/main" id="{A22B7636-8FE2-CD41-97A7-E00EB5579849}"/>
+              </a:ext>
+            </a:extLst>
+          </p:cNvPr>
+          <p:cNvPicPr>
+            <a:picLocks noChangeAspect="1"/>
+          </p:cNvPicPr>
+          <p:nvPr/>
+        </p:nvPicPr>
+        <p:blipFill>
+          <a:blip r:embed="rId3"/>
+          <a:stretch>
+            <a:fillRect/>
+          </a:stretch>
+        </p:blipFill>
+        <p:spPr>
+          <a:xfrm>
+            <a:off x="838200" y="2491523"/>
+            <a:ext cx="6832600" cy="1651000"/>
+          </a:xfrm>
+          <a:prstGeom prst="rect">
+            <a:avLst/>
+          </a:prstGeom>
+        </p:spPr>
+      </p:pic>
+      <p:sp>
+        <p:nvSpPr>
+          <p:cNvPr id="9" name="Rectangle 8">
+            <a:extLst>
+              <a:ext uri="{FF2B5EF4-FFF2-40B4-BE49-F238E27FC236}">
+                <a16:creationId xmlns:a16="http://schemas.microsoft.com/office/drawing/2014/main" id="{16DE043A-952B-8B4E-869F-0AC93AA8A40A}"/>
+              </a:ext>
+            </a:extLst>
+          </p:cNvPr>
+          <p:cNvSpPr/>
+          <p:nvPr/>
+        </p:nvSpPr>
+        <p:spPr>
+          <a:xfrm>
+            <a:off x="1928117" y="5889847"/>
+            <a:ext cx="6096000" cy="923330"/>
+          </a:xfrm>
+          <a:prstGeom prst="rect">
+            <a:avLst/>
+          </a:prstGeom>
+        </p:spPr>
+        <p:txBody>
+          <a:bodyPr>
+            <a:spAutoFit/>
+          </a:bodyPr>
+          <a:lstStyle/>
+          <a:p>
+            <a:pPr marL="285750" indent="-285750">
+              <a:buFont typeface="Arial" panose="020B0604020202020204" pitchFamily="34" charset="0"/>
+              <a:buChar char="•"/>
+            </a:pPr>
+            <a:r>
+              <a:rPr lang="fr-FR"/>
+              <a:t>Intercept = mpg_American</a:t>
+            </a:r>
+          </a:p>
+          <a:p>
+            <a:pPr marL="285750" indent="-285750">
+              <a:buFont typeface="Arial" panose="020B0604020202020204" pitchFamily="34" charset="0"/>
+              <a:buChar char="•"/>
+            </a:pPr>
+            <a:r>
+              <a:rPr lang="fr-FR"/>
+              <a:t>origin[T.European] = mpg_European − mpg_American</a:t>
+            </a:r>
+          </a:p>
+          <a:p>
+            <a:pPr marL="285750" indent="-285750">
+              <a:buFont typeface="Arial" panose="020B0604020202020204" pitchFamily="34" charset="0"/>
+              <a:buChar char="•"/>
+            </a:pPr>
+            <a:r>
+              <a:rPr lang="fr-FR"/>
+              <a:t>origin[T.Japanese]  = mpg_Japanese − mpg_American</a:t>
+            </a:r>
+          </a:p>
+        </p:txBody>
+      </p:sp>
+      <p:sp>
+        <p:nvSpPr>
+          <p:cNvPr id="10" name="TextBox 9">
+            <a:extLst>
+              <a:ext uri="{FF2B5EF4-FFF2-40B4-BE49-F238E27FC236}">
+                <a16:creationId xmlns:a16="http://schemas.microsoft.com/office/drawing/2014/main" id="{C7BCA57D-D09D-FF46-8902-DD0278E2B56D}"/>
+              </a:ext>
+            </a:extLst>
+          </p:cNvPr>
+          <p:cNvSpPr txBox="1"/>
+          <p:nvPr/>
+        </p:nvSpPr>
+        <p:spPr>
+          <a:xfrm>
+            <a:off x="838200" y="4234856"/>
+            <a:ext cx="1654620" cy="369332"/>
+          </a:xfrm>
+          <a:prstGeom prst="rect">
+            <a:avLst/>
+          </a:prstGeom>
+          <a:noFill/>
+        </p:spPr>
+        <p:txBody>
+          <a:bodyPr wrap="none" rtlCol="0">
+            <a:spAutoFit/>
+          </a:bodyPr>
+          <a:lstStyle/>
+          <a:p>
+            <a:r>
+              <a:rPr lang="fr-FR"/>
+              <a:t>mpg ~ C(Origin)</a:t>
+            </a:r>
+          </a:p>
+        </p:txBody>
+      </p:sp>
+    </p:spTree>
+    <p:extLst>
+      <p:ext uri="{BB962C8B-B14F-4D97-AF65-F5344CB8AC3E}">
+        <p14:creationId xmlns:p14="http://schemas.microsoft.com/office/powerpoint/2010/main" val="3390916483"/>
+      </p:ext>
+    </p:extLst>
+  </p:cSld>
+  <p:clrMapOvr>
+    <a:masterClrMapping/>
+  </p:clrMapOvr>
+</p:sld>
+</file>
+
+<file path=ppt/slides/slide22.xml><?xml version="1.0" encoding="utf-8"?>
+<p:sld xmlns:a="http://schemas.openxmlformats.org/drawingml/2006/main" xmlns:r="http://schemas.openxmlformats.org/officeDocument/2006/relationships" xmlns:p="http://schemas.openxmlformats.org/presentationml/2006/main">
+  <p:cSld>
+    <p:spTree>
+      <p:nvGrpSpPr>
+        <p:cNvPr id="1" name=""/>
+        <p:cNvGrpSpPr/>
+        <p:nvPr/>
+      </p:nvGrpSpPr>
+      <p:grpSpPr>
+        <a:xfrm>
+          <a:off x="0" y="0"/>
+          <a:ext cx="0" cy="0"/>
+          <a:chOff x="0" y="0"/>
+          <a:chExt cx="0" cy="0"/>
+        </a:xfrm>
+      </p:grpSpPr>
+      <p:sp>
+        <p:nvSpPr>
+          <p:cNvPr id="2" name="Title 1">
+            <a:extLst>
+              <a:ext uri="{FF2B5EF4-FFF2-40B4-BE49-F238E27FC236}">
+                <a16:creationId xmlns:a16="http://schemas.microsoft.com/office/drawing/2014/main" id="{49A90892-71BE-714E-8961-7A2B28797CEF}"/>
+              </a:ext>
+            </a:extLst>
+          </p:cNvPr>
+          <p:cNvSpPr>
+            <a:spLocks noGrp="1"/>
+          </p:cNvSpPr>
+          <p:nvPr>
+            <p:ph type="title"/>
+          </p:nvPr>
+        </p:nvSpPr>
+        <p:spPr>
+          <a:xfrm>
+            <a:off x="838200" y="365126"/>
+            <a:ext cx="10515600" cy="744484"/>
+          </a:xfrm>
+        </p:spPr>
+        <p:txBody>
+          <a:bodyPr/>
+          <a:lstStyle/>
+          <a:p>
+            <a:r>
+              <a:rPr lang="fr-FR"/>
+              <a:t>Nombreuses catégories</a:t>
+            </a:r>
+          </a:p>
+        </p:txBody>
+      </p:sp>
+      <p:sp>
+        <p:nvSpPr>
+          <p:cNvPr id="3" name="TextBox 2">
+            <a:extLst>
+              <a:ext uri="{FF2B5EF4-FFF2-40B4-BE49-F238E27FC236}">
+                <a16:creationId xmlns:a16="http://schemas.microsoft.com/office/drawing/2014/main" id="{327B9734-C75D-E748-B7ED-9109958371BE}"/>
+              </a:ext>
+            </a:extLst>
+          </p:cNvPr>
+          <p:cNvSpPr txBox="1"/>
+          <p:nvPr/>
+        </p:nvSpPr>
+        <p:spPr>
+          <a:xfrm>
+            <a:off x="887459" y="1134474"/>
+            <a:ext cx="4812587" cy="1200329"/>
+          </a:xfrm>
+          <a:prstGeom prst="rect">
+            <a:avLst/>
+          </a:prstGeom>
+          <a:noFill/>
+        </p:spPr>
+        <p:txBody>
+          <a:bodyPr wrap="square" rtlCol="0">
+            <a:spAutoFit/>
+          </a:bodyPr>
+          <a:lstStyle/>
+          <a:p>
+            <a:r>
+              <a:rPr lang="fr-FR"/>
+              <a:t>Comment prendre en compte la marque des voitures dans auto-mpg ?</a:t>
+            </a:r>
+          </a:p>
+          <a:p>
+            <a:r>
+              <a:rPr lang="fr-FR"/>
+              <a:t>On a 36 catégories </a:t>
+            </a:r>
+          </a:p>
+          <a:p>
+            <a:r>
+              <a:rPr lang="fr-FR"/>
+              <a:t>Certaines catégories ont peu d'échantillons</a:t>
+            </a:r>
+          </a:p>
+        </p:txBody>
+      </p:sp>
+      <p:sp>
+        <p:nvSpPr>
+          <p:cNvPr id="4" name="TextBox 3">
+            <a:extLst>
+              <a:ext uri="{FF2B5EF4-FFF2-40B4-BE49-F238E27FC236}">
+                <a16:creationId xmlns:a16="http://schemas.microsoft.com/office/drawing/2014/main" id="{8D63C4DA-2049-9C4F-93FA-CF5C4DE57605}"/>
+              </a:ext>
+            </a:extLst>
+          </p:cNvPr>
+          <p:cNvSpPr txBox="1"/>
+          <p:nvPr/>
+        </p:nvSpPr>
+        <p:spPr>
+          <a:xfrm>
+            <a:off x="7617660" y="1411875"/>
+            <a:ext cx="1769267" cy="369332"/>
+          </a:xfrm>
+          <a:prstGeom prst="rect">
+            <a:avLst/>
+          </a:prstGeom>
+          <a:noFill/>
+        </p:spPr>
+        <p:txBody>
+          <a:bodyPr wrap="none" rtlCol="0">
+            <a:spAutoFit/>
+          </a:bodyPr>
+          <a:lstStyle/>
+          <a:p>
+            <a:r>
+              <a:rPr lang="fr-FR"/>
+              <a:t>Binary encoding!</a:t>
+            </a:r>
+          </a:p>
+        </p:txBody>
+      </p:sp>
+      <p:pic>
+        <p:nvPicPr>
+          <p:cNvPr id="6" name="Picture 5">
+            <a:extLst>
+              <a:ext uri="{FF2B5EF4-FFF2-40B4-BE49-F238E27FC236}">
+                <a16:creationId xmlns:a16="http://schemas.microsoft.com/office/drawing/2014/main" id="{11330AB6-57C2-0A42-BA51-93AD6C06E045}"/>
+              </a:ext>
+            </a:extLst>
+          </p:cNvPr>
+          <p:cNvPicPr>
+            <a:picLocks noChangeAspect="1"/>
+          </p:cNvPicPr>
+          <p:nvPr/>
+        </p:nvPicPr>
+        <p:blipFill>
+          <a:blip r:embed="rId2"/>
+          <a:stretch>
+            <a:fillRect/>
+          </a:stretch>
+        </p:blipFill>
+        <p:spPr>
+          <a:xfrm>
+            <a:off x="838200" y="2265868"/>
+            <a:ext cx="4572000" cy="4572000"/>
+          </a:xfrm>
+          <a:prstGeom prst="rect">
+            <a:avLst/>
+          </a:prstGeom>
+        </p:spPr>
+      </p:pic>
+      <p:sp>
+        <p:nvSpPr>
+          <p:cNvPr id="7" name="Rectangle 6">
+            <a:extLst>
+              <a:ext uri="{FF2B5EF4-FFF2-40B4-BE49-F238E27FC236}">
+                <a16:creationId xmlns:a16="http://schemas.microsoft.com/office/drawing/2014/main" id="{163A1334-4F98-024B-9A54-A35C289489D6}"/>
+              </a:ext>
+            </a:extLst>
+          </p:cNvPr>
+          <p:cNvSpPr/>
+          <p:nvPr/>
+        </p:nvSpPr>
+        <p:spPr>
+          <a:xfrm>
+            <a:off x="6541215" y="2170414"/>
+            <a:ext cx="5136220" cy="1477328"/>
+          </a:xfrm>
+          <a:prstGeom prst="rect">
+            <a:avLst/>
+          </a:prstGeom>
+          <a:solidFill>
+            <a:schemeClr val="tx1"/>
+          </a:solidFill>
+        </p:spPr>
+        <p:txBody>
+          <a:bodyPr wrap="square">
+            <a:spAutoFit/>
+          </a:bodyPr>
+          <a:lstStyle/>
+          <a:p>
+            <a:r>
+              <a:rPr lang="fr-FR">
+                <a:solidFill>
+                  <a:schemeClr val="bg1"/>
+                </a:solidFill>
+                <a:latin typeface="Courier New" panose="02070309020205020404" pitchFamily="49" charset="0"/>
+                <a:cs typeface="Courier New" panose="02070309020205020404" pitchFamily="49" charset="0"/>
+              </a:rPr>
+              <a:t>import category_encoders as ce</a:t>
+            </a:r>
+          </a:p>
+          <a:p>
+            <a:r>
+              <a:rPr lang="fr-FR">
+                <a:solidFill>
+                  <a:schemeClr val="bg1"/>
+                </a:solidFill>
+                <a:latin typeface="Courier New" panose="02070309020205020404" pitchFamily="49" charset="0"/>
+                <a:cs typeface="Courier New" panose="02070309020205020404" pitchFamily="49" charset="0"/>
+              </a:rPr>
+              <a:t># define the encoder</a:t>
+            </a:r>
+          </a:p>
+          <a:p>
+            <a:r>
+              <a:rPr lang="fr-FR">
+                <a:solidFill>
+                  <a:schemeClr val="bg1"/>
+                </a:solidFill>
+                <a:latin typeface="Courier New" panose="02070309020205020404" pitchFamily="49" charset="0"/>
+                <a:cs typeface="Courier New" panose="02070309020205020404" pitchFamily="49" charset="0"/>
+              </a:rPr>
+              <a:t>encoder = ce.BinaryEncoder(cols=['brand'])</a:t>
+            </a:r>
+          </a:p>
+          <a:p>
+            <a:r>
+              <a:rPr lang="fr-FR">
+                <a:solidFill>
+                  <a:schemeClr val="bg1"/>
+                </a:solidFill>
+                <a:latin typeface="Courier New" panose="02070309020205020404" pitchFamily="49" charset="0"/>
+                <a:cs typeface="Courier New" panose="02070309020205020404" pitchFamily="49" charset="0"/>
+              </a:rPr>
+              <a:t>df = encoder.fit_transform(df)</a:t>
+            </a:r>
+          </a:p>
+        </p:txBody>
+      </p:sp>
+      <p:sp>
+        <p:nvSpPr>
+          <p:cNvPr id="8" name="Rectangle 7">
+            <a:extLst>
+              <a:ext uri="{FF2B5EF4-FFF2-40B4-BE49-F238E27FC236}">
+                <a16:creationId xmlns:a16="http://schemas.microsoft.com/office/drawing/2014/main" id="{BA91EE61-D213-3F4E-A695-535E0E2D8480}"/>
+              </a:ext>
+            </a:extLst>
+          </p:cNvPr>
+          <p:cNvSpPr/>
+          <p:nvPr/>
+        </p:nvSpPr>
+        <p:spPr>
+          <a:xfrm>
+            <a:off x="6059488" y="4036949"/>
+            <a:ext cx="6096000" cy="2031325"/>
+          </a:xfrm>
+          <a:prstGeom prst="rect">
+            <a:avLst/>
+          </a:prstGeom>
+        </p:spPr>
+        <p:txBody>
+          <a:bodyPr>
+            <a:spAutoFit/>
+          </a:bodyPr>
+          <a:lstStyle/>
+          <a:p>
+            <a:r>
+              <a:rPr lang="en-US" b="0" i="0">
+                <a:effectLst/>
+              </a:rPr>
+              <a:t>Au lieu de </a:t>
+            </a:r>
+          </a:p>
+          <a:p>
+            <a:endParaRPr lang="en-US"/>
+          </a:p>
+          <a:p>
+            <a:pPr marL="285750" indent="-285750">
+              <a:buFont typeface="Arial" panose="020B0604020202020204" pitchFamily="34" charset="0"/>
+              <a:buChar char="•"/>
+            </a:pPr>
+            <a:r>
+              <a:rPr lang="en-US" b="0" i="0">
+                <a:effectLst/>
+              </a:rPr>
+              <a:t>mpg ~ brand</a:t>
+            </a:r>
+          </a:p>
+          <a:p>
+            <a:endParaRPr lang="en-US"/>
+          </a:p>
+          <a:p>
+            <a:r>
+              <a:rPr lang="en-US"/>
+              <a:t>on prend le modele</a:t>
+            </a:r>
+          </a:p>
+          <a:p>
+            <a:endParaRPr lang="en-US" b="0" i="0">
+              <a:effectLst/>
+            </a:endParaRPr>
+          </a:p>
+          <a:p>
+            <a:pPr marL="285750" indent="-285750">
+              <a:buFont typeface="Arial" panose="020B0604020202020204" pitchFamily="34" charset="0"/>
+              <a:buChar char="•"/>
+            </a:pPr>
+            <a:r>
+              <a:rPr lang="en-US" b="0" i="0">
+                <a:effectLst/>
+              </a:rPr>
+              <a:t>mpg ~ brand_0 + brand_1 + … + brand_5</a:t>
+            </a:r>
+            <a:endParaRPr lang="fr-FR"/>
+          </a:p>
+        </p:txBody>
+      </p:sp>
+    </p:spTree>
+    <p:extLst>
+      <p:ext uri="{BB962C8B-B14F-4D97-AF65-F5344CB8AC3E}">
+        <p14:creationId xmlns:p14="http://schemas.microsoft.com/office/powerpoint/2010/main" val="4079428053"/>
+      </p:ext>
+    </p:extLst>
+  </p:cSld>
+  <p:clrMapOvr>
+    <a:masterClrMapping/>
+  </p:clrMapOvr>
+</p:sld>
+</file>
+
+<file path=ppt/slides/slide23.xml><?xml version="1.0" encoding="utf-8"?>
+<p:sld xmlns:a="http://schemas.openxmlformats.org/drawingml/2006/main" xmlns:r="http://schemas.openxmlformats.org/officeDocument/2006/relationships" xmlns:p="http://schemas.openxmlformats.org/presentationml/2006/main">
+  <p:cSld>
+    <p:spTree>
+      <p:nvGrpSpPr>
+        <p:cNvPr id="1" name=""/>
+        <p:cNvGrpSpPr/>
+        <p:nvPr/>
+      </p:nvGrpSpPr>
+      <p:grpSpPr>
+        <a:xfrm>
+          <a:off x="0" y="0"/>
+          <a:ext cx="0" cy="0"/>
+          <a:chOff x="0" y="0"/>
+          <a:chExt cx="0" cy="0"/>
+        </a:xfrm>
+      </p:grpSpPr>
+      <p:sp>
+        <p:nvSpPr>
+          <p:cNvPr id="2" name="Title 1">
+            <a:extLst>
+              <a:ext uri="{FF2B5EF4-FFF2-40B4-BE49-F238E27FC236}">
+                <a16:creationId xmlns:a16="http://schemas.microsoft.com/office/drawing/2014/main" id="{D37FA131-F68F-D64C-B3F0-1398AF49323B}"/>
+              </a:ext>
+            </a:extLst>
+          </p:cNvPr>
+          <p:cNvSpPr>
+            <a:spLocks noGrp="1"/>
+          </p:cNvSpPr>
+          <p:nvPr>
+            <p:ph type="title"/>
+          </p:nvPr>
+        </p:nvSpPr>
+        <p:spPr/>
+        <p:txBody>
+          <a:bodyPr/>
+          <a:lstStyle/>
+          <a:p>
+            <a:r>
+              <a:rPr lang="fr-FR"/>
+              <a:t>A vous: Titanic</a:t>
+            </a:r>
+          </a:p>
+        </p:txBody>
+      </p:sp>
+      <p:pic>
+        <p:nvPicPr>
+          <p:cNvPr id="4" name="Picture 3">
+            <a:extLst>
+              <a:ext uri="{FF2B5EF4-FFF2-40B4-BE49-F238E27FC236}">
+                <a16:creationId xmlns:a16="http://schemas.microsoft.com/office/drawing/2014/main" id="{45495BBA-AC28-2E48-8CD3-F64398480777}"/>
+              </a:ext>
+            </a:extLst>
+          </p:cNvPr>
+          <p:cNvPicPr>
+            <a:picLocks noChangeAspect="1"/>
+          </p:cNvPicPr>
+          <p:nvPr/>
+        </p:nvPicPr>
+        <p:blipFill>
+          <a:blip r:embed="rId2"/>
+          <a:stretch>
+            <a:fillRect/>
+          </a:stretch>
+        </p:blipFill>
+        <p:spPr>
+          <a:xfrm>
+            <a:off x="7123915" y="2362759"/>
+            <a:ext cx="4889500" cy="3657600"/>
+          </a:xfrm>
+          <a:prstGeom prst="rect">
+            <a:avLst/>
+          </a:prstGeom>
+        </p:spPr>
+      </p:pic>
+      <p:sp>
+        <p:nvSpPr>
+          <p:cNvPr id="5" name="TextBox 4">
+            <a:extLst>
+              <a:ext uri="{FF2B5EF4-FFF2-40B4-BE49-F238E27FC236}">
+                <a16:creationId xmlns:a16="http://schemas.microsoft.com/office/drawing/2014/main" id="{3D593017-CB73-0D46-A696-B6FEADACB603}"/>
+              </a:ext>
+            </a:extLst>
+          </p:cNvPr>
+          <p:cNvSpPr txBox="1"/>
+          <p:nvPr/>
+        </p:nvSpPr>
+        <p:spPr>
+          <a:xfrm>
+            <a:off x="838200" y="1524747"/>
+            <a:ext cx="1616661" cy="646331"/>
+          </a:xfrm>
+          <a:prstGeom prst="rect">
+            <a:avLst/>
+          </a:prstGeom>
+          <a:noFill/>
+        </p:spPr>
+        <p:txBody>
+          <a:bodyPr wrap="none" rtlCol="0">
+            <a:spAutoFit/>
+          </a:bodyPr>
+          <a:lstStyle/>
+          <a:p>
+            <a:r>
+              <a:rPr lang="fr-FR"/>
+              <a:t>1310 passagers</a:t>
+            </a:r>
+          </a:p>
+          <a:p>
+            <a:endParaRPr lang="fr-FR"/>
+          </a:p>
+        </p:txBody>
+      </p:sp>
+      <p:graphicFrame>
+        <p:nvGraphicFramePr>
+          <p:cNvPr id="6" name="Table 5">
+            <a:extLst>
+              <a:ext uri="{FF2B5EF4-FFF2-40B4-BE49-F238E27FC236}">
+                <a16:creationId xmlns:a16="http://schemas.microsoft.com/office/drawing/2014/main" id="{32730D80-518A-AD4C-BF6A-47E68D1475D3}"/>
+              </a:ext>
+            </a:extLst>
+          </p:cNvPr>
+          <p:cNvGraphicFramePr>
+            <a:graphicFrameLocks noGrp="1"/>
+          </p:cNvGraphicFramePr>
+          <p:nvPr>
+            <p:extLst>
+              <p:ext uri="{D42A27DB-BD31-4B8C-83A1-F6EECF244321}">
+                <p14:modId xmlns:p14="http://schemas.microsoft.com/office/powerpoint/2010/main" val="265386954"/>
+              </p:ext>
+            </p:extLst>
+          </p:nvPr>
+        </p:nvGraphicFramePr>
+        <p:xfrm>
+          <a:off x="0" y="2171078"/>
+          <a:ext cx="7007571" cy="4040963"/>
+        </p:xfrm>
+        <a:graphic>
+          <a:graphicData uri="http://schemas.openxmlformats.org/drawingml/2006/table">
+            <a:tbl>
+              <a:tblPr/>
+              <a:tblGrid>
+                <a:gridCol w="1633591">
+                  <a:extLst>
+                    <a:ext uri="{9D8B030D-6E8A-4147-A177-3AD203B41FA5}">
+                      <a16:colId xmlns:a16="http://schemas.microsoft.com/office/drawing/2014/main" val="1290267190"/>
+                    </a:ext>
+                  </a:extLst>
+                </a:gridCol>
+                <a:gridCol w="2989780">
+                  <a:extLst>
+                    <a:ext uri="{9D8B030D-6E8A-4147-A177-3AD203B41FA5}">
+                      <a16:colId xmlns:a16="http://schemas.microsoft.com/office/drawing/2014/main" val="1769495824"/>
+                    </a:ext>
+                  </a:extLst>
+                </a:gridCol>
+                <a:gridCol w="2384200">
+                  <a:extLst>
+                    <a:ext uri="{9D8B030D-6E8A-4147-A177-3AD203B41FA5}">
+                      <a16:colId xmlns:a16="http://schemas.microsoft.com/office/drawing/2014/main" val="994885734"/>
+                    </a:ext>
+                  </a:extLst>
+                </a:gridCol>
+              </a:tblGrid>
+              <a:tr h="346129">
+                <a:tc>
+                  <a:txBody>
+                    <a:bodyPr/>
+                    <a:lstStyle/>
+                    <a:p>
+                      <a:pPr fontAlgn="t"/>
+                      <a:r>
+                        <a:rPr lang="en-US" sz="1500" b="1">
+                          <a:solidFill>
+                            <a:schemeClr val="bg1"/>
+                          </a:solidFill>
+                          <a:effectLst/>
+                          <a:latin typeface="inherit"/>
+                        </a:rPr>
+                        <a:t>survival</a:t>
+                      </a:r>
+                    </a:p>
+                  </a:txBody>
+                  <a:tcPr marL="185426" marR="185426" marT="69535" marB="54083">
+                    <a:lnL w="9525" cap="flat" cmpd="sng" algn="ctr">
+                      <a:solidFill>
+                        <a:srgbClr val="DEDFE0"/>
+                      </a:solidFill>
+                      <a:prstDash val="solid"/>
+                      <a:round/>
+                      <a:headEnd type="none" w="med" len="med"/>
+                      <a:tailEnd type="none" w="med" len="med"/>
+                    </a:lnL>
+                    <a:lnR w="9525" cap="flat" cmpd="sng" algn="ctr">
+                      <a:solidFill>
+                        <a:srgbClr val="DEDFE0"/>
+                      </a:solidFill>
+                      <a:prstDash val="solid"/>
+                      <a:round/>
+                      <a:headEnd type="none" w="med" len="med"/>
+                      <a:tailEnd type="none" w="med" len="med"/>
+                    </a:lnR>
+                    <a:lnT w="9525" cap="flat" cmpd="sng" algn="ctr">
+                      <a:solidFill>
+                        <a:srgbClr val="DEDFE0"/>
+                      </a:solidFill>
+                      <a:prstDash val="solid"/>
+                      <a:round/>
+                      <a:headEnd type="none" w="med" len="med"/>
+                      <a:tailEnd type="none" w="med" len="med"/>
+                    </a:lnT>
+                    <a:lnB w="9525" cap="flat" cmpd="sng" algn="ctr">
+                      <a:solidFill>
+                        <a:srgbClr val="DEDFE0"/>
+                      </a:solidFill>
+                      <a:prstDash val="solid"/>
+                      <a:round/>
+                      <a:headEnd type="none" w="med" len="med"/>
+                      <a:tailEnd type="none" w="med" len="med"/>
+                    </a:lnB>
+                    <a:solidFill>
+                      <a:schemeClr val="tx1"/>
+                    </a:solidFill>
+                  </a:tcPr>
+                </a:tc>
+                <a:tc>
+                  <a:txBody>
+                    <a:bodyPr/>
+                    <a:lstStyle/>
+                    <a:p>
+                      <a:pPr fontAlgn="t"/>
+                      <a:r>
+                        <a:rPr lang="en-US" sz="1500" b="0">
+                          <a:effectLst/>
+                          <a:latin typeface="inherit"/>
+                        </a:rPr>
+                        <a:t>Survival</a:t>
+                      </a:r>
+                    </a:p>
+                  </a:txBody>
+                  <a:tcPr marL="185426" marR="185426" marT="69535" marB="54083">
+                    <a:lnL w="9525" cap="flat" cmpd="sng" algn="ctr">
+                      <a:solidFill>
+                        <a:srgbClr val="DEDFE0"/>
+                      </a:solidFill>
+                      <a:prstDash val="solid"/>
+                      <a:round/>
+                      <a:headEnd type="none" w="med" len="med"/>
+                      <a:tailEnd type="none" w="med" len="med"/>
+                    </a:lnL>
+                    <a:lnR w="9525" cap="flat" cmpd="sng" algn="ctr">
+                      <a:solidFill>
+                        <a:srgbClr val="DEDFE0"/>
+                      </a:solidFill>
+                      <a:prstDash val="solid"/>
+                      <a:round/>
+                      <a:headEnd type="none" w="med" len="med"/>
+                      <a:tailEnd type="none" w="med" len="med"/>
+                    </a:lnR>
+                    <a:lnT w="9525" cap="flat" cmpd="sng" algn="ctr">
+                      <a:solidFill>
+                        <a:srgbClr val="DEDFE0"/>
+                      </a:solidFill>
+                      <a:prstDash val="solid"/>
+                      <a:round/>
+                      <a:headEnd type="none" w="med" len="med"/>
+                      <a:tailEnd type="none" w="med" len="med"/>
+                    </a:lnT>
+                    <a:lnB w="9525" cap="flat" cmpd="sng" algn="ctr">
+                      <a:solidFill>
+                        <a:srgbClr val="DEDFE0"/>
+                      </a:solidFill>
+                      <a:prstDash val="solid"/>
+                      <a:round/>
+                      <a:headEnd type="none" w="med" len="med"/>
+                      <a:tailEnd type="none" w="med" len="med"/>
+                    </a:lnB>
+                    <a:solidFill>
+                      <a:srgbClr val="FFFFFF"/>
+                    </a:solidFill>
+                  </a:tcPr>
+                </a:tc>
+                <a:tc>
+                  <a:txBody>
+                    <a:bodyPr/>
+                    <a:lstStyle/>
+                    <a:p>
+                      <a:pPr fontAlgn="t"/>
+                      <a:r>
+                        <a:rPr lang="en-US" sz="1500" b="0">
+                          <a:effectLst/>
+                          <a:latin typeface="inherit"/>
+                        </a:rPr>
+                        <a:t>0 = No, 1 = Yes</a:t>
+                      </a:r>
+                    </a:p>
+                  </a:txBody>
+                  <a:tcPr marL="185426" marR="185426" marT="69535" marB="54083">
+                    <a:lnL w="9525" cap="flat" cmpd="sng" algn="ctr">
+                      <a:solidFill>
+                        <a:srgbClr val="DEDFE0"/>
+                      </a:solidFill>
+                      <a:prstDash val="solid"/>
+                      <a:round/>
+                      <a:headEnd type="none" w="med" len="med"/>
+                      <a:tailEnd type="none" w="med" len="med"/>
+                    </a:lnL>
+                    <a:lnR w="9525" cap="flat" cmpd="sng" algn="ctr">
+                      <a:solidFill>
+                        <a:srgbClr val="DEDFE0"/>
+                      </a:solidFill>
+                      <a:prstDash val="solid"/>
+                      <a:round/>
+                      <a:headEnd type="none" w="med" len="med"/>
+                      <a:tailEnd type="none" w="med" len="med"/>
+                    </a:lnR>
+                    <a:lnT w="9525" cap="flat" cmpd="sng" algn="ctr">
+                      <a:solidFill>
+                        <a:srgbClr val="DEDFE0"/>
+                      </a:solidFill>
+                      <a:prstDash val="solid"/>
+                      <a:round/>
+                      <a:headEnd type="none" w="med" len="med"/>
+                      <a:tailEnd type="none" w="med" len="med"/>
+                    </a:lnT>
+                    <a:lnB w="9525" cap="flat" cmpd="sng" algn="ctr">
+                      <a:solidFill>
+                        <a:srgbClr val="DEDFE0"/>
+                      </a:solidFill>
+                      <a:prstDash val="solid"/>
+                      <a:round/>
+                      <a:headEnd type="none" w="med" len="med"/>
+                      <a:tailEnd type="none" w="med" len="med"/>
+                    </a:lnB>
+                    <a:solidFill>
+                      <a:srgbClr val="FFFFFF"/>
+                    </a:solidFill>
+                  </a:tcPr>
+                </a:tc>
+                <a:extLst>
+                  <a:ext uri="{0D108BD9-81ED-4DB2-BD59-A6C34878D82A}">
+                    <a16:rowId xmlns:a16="http://schemas.microsoft.com/office/drawing/2014/main" val="603572235"/>
+                  </a:ext>
+                </a:extLst>
+              </a:tr>
+              <a:tr h="346129">
+                <a:tc>
+                  <a:txBody>
+                    <a:bodyPr/>
+                    <a:lstStyle/>
+                    <a:p>
+                      <a:pPr fontAlgn="t"/>
+                      <a:r>
+                        <a:rPr lang="en-US" sz="1500" b="1">
+                          <a:solidFill>
+                            <a:schemeClr val="bg1"/>
+                          </a:solidFill>
+                          <a:effectLst/>
+                          <a:latin typeface="inherit"/>
+                        </a:rPr>
+                        <a:t>pclass</a:t>
+                      </a:r>
+                    </a:p>
+                  </a:txBody>
+                  <a:tcPr marL="185426" marR="185426" marT="69535" marB="54083">
+                    <a:lnL w="9525" cap="flat" cmpd="sng" algn="ctr">
+                      <a:solidFill>
+                        <a:srgbClr val="DEDFE0"/>
+                      </a:solidFill>
+                      <a:prstDash val="solid"/>
+                      <a:round/>
+                      <a:headEnd type="none" w="med" len="med"/>
+                      <a:tailEnd type="none" w="med" len="med"/>
+                    </a:lnL>
+                    <a:lnR w="9525" cap="flat" cmpd="sng" algn="ctr">
+                      <a:solidFill>
+                        <a:srgbClr val="DEDFE0"/>
+                      </a:solidFill>
+                      <a:prstDash val="solid"/>
+                      <a:round/>
+                      <a:headEnd type="none" w="med" len="med"/>
+                      <a:tailEnd type="none" w="med" len="med"/>
+                    </a:lnR>
+                    <a:lnT w="9525" cap="flat" cmpd="sng" algn="ctr">
+                      <a:solidFill>
+                        <a:srgbClr val="DEDFE0"/>
+                      </a:solidFill>
+                      <a:prstDash val="solid"/>
+                      <a:round/>
+                      <a:headEnd type="none" w="med" len="med"/>
+                      <a:tailEnd type="none" w="med" len="med"/>
+                    </a:lnT>
+                    <a:lnB w="9525" cap="flat" cmpd="sng" algn="ctr">
+                      <a:solidFill>
+                        <a:srgbClr val="DEDFE0"/>
+                      </a:solidFill>
+                      <a:prstDash val="solid"/>
+                      <a:round/>
+                      <a:headEnd type="none" w="med" len="med"/>
+                      <a:tailEnd type="none" w="med" len="med"/>
+                    </a:lnB>
+                    <a:solidFill>
+                      <a:schemeClr val="tx1"/>
+                    </a:solidFill>
+                  </a:tcPr>
+                </a:tc>
+                <a:tc>
+                  <a:txBody>
+                    <a:bodyPr/>
+                    <a:lstStyle/>
+                    <a:p>
+                      <a:pPr fontAlgn="t"/>
+                      <a:r>
+                        <a:rPr lang="en-US" sz="1500" b="0">
+                          <a:effectLst/>
+                          <a:latin typeface="inherit"/>
+                        </a:rPr>
+                        <a:t>Ticket class</a:t>
+                      </a:r>
+                    </a:p>
+                  </a:txBody>
+                  <a:tcPr marL="185426" marR="185426" marT="69535" marB="54083">
+                    <a:lnL w="9525" cap="flat" cmpd="sng" algn="ctr">
+                      <a:solidFill>
+                        <a:srgbClr val="DEDFE0"/>
+                      </a:solidFill>
+                      <a:prstDash val="solid"/>
+                      <a:round/>
+                      <a:headEnd type="none" w="med" len="med"/>
+                      <a:tailEnd type="none" w="med" len="med"/>
+                    </a:lnL>
+                    <a:lnR w="9525" cap="flat" cmpd="sng" algn="ctr">
+                      <a:solidFill>
+                        <a:srgbClr val="DEDFE0"/>
+                      </a:solidFill>
+                      <a:prstDash val="solid"/>
+                      <a:round/>
+                      <a:headEnd type="none" w="med" len="med"/>
+                      <a:tailEnd type="none" w="med" len="med"/>
+                    </a:lnR>
+                    <a:lnT w="9525" cap="flat" cmpd="sng" algn="ctr">
+                      <a:solidFill>
+                        <a:srgbClr val="DEDFE0"/>
+                      </a:solidFill>
+                      <a:prstDash val="solid"/>
+                      <a:round/>
+                      <a:headEnd type="none" w="med" len="med"/>
+                      <a:tailEnd type="none" w="med" len="med"/>
+                    </a:lnT>
+                    <a:lnB w="9525" cap="flat" cmpd="sng" algn="ctr">
+                      <a:solidFill>
+                        <a:srgbClr val="DEDFE0"/>
+                      </a:solidFill>
+                      <a:prstDash val="solid"/>
+                      <a:round/>
+                      <a:headEnd type="none" w="med" len="med"/>
+                      <a:tailEnd type="none" w="med" len="med"/>
+                    </a:lnB>
+                    <a:solidFill>
+                      <a:srgbClr val="FFFFFF"/>
+                    </a:solidFill>
+                  </a:tcPr>
+                </a:tc>
+                <a:tc>
+                  <a:txBody>
+                    <a:bodyPr/>
+                    <a:lstStyle/>
+                    <a:p>
+                      <a:pPr fontAlgn="t"/>
+                      <a:r>
+                        <a:rPr lang="en-US" sz="1500" b="0">
+                          <a:effectLst/>
+                          <a:latin typeface="inherit"/>
+                        </a:rPr>
+                        <a:t>1 = 1st, 2 = 2nd, 3 = 3rd</a:t>
+                      </a:r>
+                    </a:p>
+                  </a:txBody>
+                  <a:tcPr marL="185426" marR="185426" marT="69535" marB="54083">
+                    <a:lnL w="9525" cap="flat" cmpd="sng" algn="ctr">
+                      <a:solidFill>
+                        <a:srgbClr val="DEDFE0"/>
+                      </a:solidFill>
+                      <a:prstDash val="solid"/>
+                      <a:round/>
+                      <a:headEnd type="none" w="med" len="med"/>
+                      <a:tailEnd type="none" w="med" len="med"/>
+                    </a:lnL>
+                    <a:lnR w="9525" cap="flat" cmpd="sng" algn="ctr">
+                      <a:solidFill>
+                        <a:srgbClr val="DEDFE0"/>
+                      </a:solidFill>
+                      <a:prstDash val="solid"/>
+                      <a:round/>
+                      <a:headEnd type="none" w="med" len="med"/>
+                      <a:tailEnd type="none" w="med" len="med"/>
+                    </a:lnR>
+                    <a:lnT w="9525" cap="flat" cmpd="sng" algn="ctr">
+                      <a:solidFill>
+                        <a:srgbClr val="DEDFE0"/>
+                      </a:solidFill>
+                      <a:prstDash val="solid"/>
+                      <a:round/>
+                      <a:headEnd type="none" w="med" len="med"/>
+                      <a:tailEnd type="none" w="med" len="med"/>
+                    </a:lnT>
+                    <a:lnB w="9525" cap="flat" cmpd="sng" algn="ctr">
+                      <a:solidFill>
+                        <a:srgbClr val="DEDFE0"/>
+                      </a:solidFill>
+                      <a:prstDash val="solid"/>
+                      <a:round/>
+                      <a:headEnd type="none" w="med" len="med"/>
+                      <a:tailEnd type="none" w="med" len="med"/>
+                    </a:lnB>
+                    <a:solidFill>
+                      <a:srgbClr val="FFFFFF"/>
+                    </a:solidFill>
+                  </a:tcPr>
+                </a:tc>
+                <a:extLst>
+                  <a:ext uri="{0D108BD9-81ED-4DB2-BD59-A6C34878D82A}">
+                    <a16:rowId xmlns:a16="http://schemas.microsoft.com/office/drawing/2014/main" val="307212563"/>
+                  </a:ext>
+                </a:extLst>
+              </a:tr>
+              <a:tr h="346129">
+                <a:tc>
+                  <a:txBody>
+                    <a:bodyPr/>
+                    <a:lstStyle/>
+                    <a:p>
+                      <a:pPr fontAlgn="t"/>
+                      <a:r>
+                        <a:rPr lang="en-US" sz="1500" b="1">
+                          <a:solidFill>
+                            <a:schemeClr val="bg1"/>
+                          </a:solidFill>
+                          <a:effectLst/>
+                          <a:latin typeface="inherit"/>
+                        </a:rPr>
+                        <a:t>sex</a:t>
+                      </a:r>
+                    </a:p>
+                  </a:txBody>
+                  <a:tcPr marL="185426" marR="185426" marT="69535" marB="54083">
+                    <a:lnL w="9525" cap="flat" cmpd="sng" algn="ctr">
+                      <a:solidFill>
+                        <a:srgbClr val="DEDFE0"/>
+                      </a:solidFill>
+                      <a:prstDash val="solid"/>
+                      <a:round/>
+                      <a:headEnd type="none" w="med" len="med"/>
+                      <a:tailEnd type="none" w="med" len="med"/>
+                    </a:lnL>
+                    <a:lnR w="9525" cap="flat" cmpd="sng" algn="ctr">
+                      <a:solidFill>
+                        <a:srgbClr val="DEDFE0"/>
+                      </a:solidFill>
+                      <a:prstDash val="solid"/>
+                      <a:round/>
+                      <a:headEnd type="none" w="med" len="med"/>
+                      <a:tailEnd type="none" w="med" len="med"/>
+                    </a:lnR>
+                    <a:lnT w="9525" cap="flat" cmpd="sng" algn="ctr">
+                      <a:solidFill>
+                        <a:srgbClr val="DEDFE0"/>
+                      </a:solidFill>
+                      <a:prstDash val="solid"/>
+                      <a:round/>
+                      <a:headEnd type="none" w="med" len="med"/>
+                      <a:tailEnd type="none" w="med" len="med"/>
+                    </a:lnT>
+                    <a:lnB w="9525" cap="flat" cmpd="sng" algn="ctr">
+                      <a:solidFill>
+                        <a:srgbClr val="DEDFE0"/>
+                      </a:solidFill>
+                      <a:prstDash val="solid"/>
+                      <a:round/>
+                      <a:headEnd type="none" w="med" len="med"/>
+                      <a:tailEnd type="none" w="med" len="med"/>
+                    </a:lnB>
+                    <a:solidFill>
+                      <a:schemeClr val="tx1"/>
+                    </a:solidFill>
+                  </a:tcPr>
+                </a:tc>
+                <a:tc>
+                  <a:txBody>
+                    <a:bodyPr/>
+                    <a:lstStyle/>
+                    <a:p>
+                      <a:pPr fontAlgn="t"/>
+                      <a:r>
+                        <a:rPr lang="en-US" sz="1500" b="0">
+                          <a:effectLst/>
+                          <a:latin typeface="inherit"/>
+                        </a:rPr>
+                        <a:t>Sex</a:t>
+                      </a:r>
+                    </a:p>
+                  </a:txBody>
+                  <a:tcPr marL="185426" marR="185426" marT="69535" marB="54083">
+                    <a:lnL w="9525" cap="flat" cmpd="sng" algn="ctr">
+                      <a:solidFill>
+                        <a:srgbClr val="DEDFE0"/>
+                      </a:solidFill>
+                      <a:prstDash val="solid"/>
+                      <a:round/>
+                      <a:headEnd type="none" w="med" len="med"/>
+                      <a:tailEnd type="none" w="med" len="med"/>
+                    </a:lnL>
+                    <a:lnR w="9525" cap="flat" cmpd="sng" algn="ctr">
+                      <a:solidFill>
+                        <a:srgbClr val="DEDFE0"/>
+                      </a:solidFill>
+                      <a:prstDash val="solid"/>
+                      <a:round/>
+                      <a:headEnd type="none" w="med" len="med"/>
+                      <a:tailEnd type="none" w="med" len="med"/>
+                    </a:lnR>
+                    <a:lnT w="9525" cap="flat" cmpd="sng" algn="ctr">
+                      <a:solidFill>
+                        <a:srgbClr val="DEDFE0"/>
+                      </a:solidFill>
+                      <a:prstDash val="solid"/>
+                      <a:round/>
+                      <a:headEnd type="none" w="med" len="med"/>
+                      <a:tailEnd type="none" w="med" len="med"/>
+                    </a:lnT>
+                    <a:lnB w="9525" cap="flat" cmpd="sng" algn="ctr">
+                      <a:solidFill>
+                        <a:srgbClr val="DEDFE0"/>
+                      </a:solidFill>
+                      <a:prstDash val="solid"/>
+                      <a:round/>
+                      <a:headEnd type="none" w="med" len="med"/>
+                      <a:tailEnd type="none" w="med" len="med"/>
+                    </a:lnB>
+                    <a:solidFill>
+                      <a:srgbClr val="FFFFFF"/>
+                    </a:solidFill>
+                  </a:tcPr>
+                </a:tc>
+                <a:tc>
+                  <a:txBody>
+                    <a:bodyPr/>
+                    <a:lstStyle/>
+                    <a:p>
+                      <a:pPr fontAlgn="t"/>
+                      <a:endParaRPr lang="en-US" sz="1500" b="0">
+                        <a:effectLst/>
+                        <a:latin typeface="inherit"/>
+                      </a:endParaRPr>
+                    </a:p>
+                  </a:txBody>
+                  <a:tcPr marL="185426" marR="185426" marT="69535" marB="54083">
+                    <a:lnL w="9525" cap="flat" cmpd="sng" algn="ctr">
+                      <a:solidFill>
+                        <a:srgbClr val="DEDFE0"/>
+                      </a:solidFill>
+                      <a:prstDash val="solid"/>
+                      <a:round/>
+                      <a:headEnd type="none" w="med" len="med"/>
+                      <a:tailEnd type="none" w="med" len="med"/>
+                    </a:lnL>
+                    <a:lnR w="9525" cap="flat" cmpd="sng" algn="ctr">
+                      <a:solidFill>
+                        <a:srgbClr val="DEDFE0"/>
+                      </a:solidFill>
+                      <a:prstDash val="solid"/>
+                      <a:round/>
+                      <a:headEnd type="none" w="med" len="med"/>
+                      <a:tailEnd type="none" w="med" len="med"/>
+                    </a:lnR>
+                    <a:lnT w="9525" cap="flat" cmpd="sng" algn="ctr">
+                      <a:solidFill>
+                        <a:srgbClr val="DEDFE0"/>
+                      </a:solidFill>
+                      <a:prstDash val="solid"/>
+                      <a:round/>
+                      <a:headEnd type="none" w="med" len="med"/>
+                      <a:tailEnd type="none" w="med" len="med"/>
+                    </a:lnT>
+                    <a:lnB w="9525" cap="flat" cmpd="sng" algn="ctr">
+                      <a:solidFill>
+                        <a:srgbClr val="DEDFE0"/>
+                      </a:solidFill>
+                      <a:prstDash val="solid"/>
+                      <a:round/>
+                      <a:headEnd type="none" w="med" len="med"/>
+                      <a:tailEnd type="none" w="med" len="med"/>
+                    </a:lnB>
+                    <a:solidFill>
+                      <a:srgbClr val="FFFFFF"/>
+                    </a:solidFill>
+                  </a:tcPr>
+                </a:tc>
+                <a:extLst>
+                  <a:ext uri="{0D108BD9-81ED-4DB2-BD59-A6C34878D82A}">
+                    <a16:rowId xmlns:a16="http://schemas.microsoft.com/office/drawing/2014/main" val="2548029293"/>
+                  </a:ext>
+                </a:extLst>
+              </a:tr>
+              <a:tr h="346129">
+                <a:tc>
+                  <a:txBody>
+                    <a:bodyPr/>
+                    <a:lstStyle/>
+                    <a:p>
+                      <a:pPr fontAlgn="t"/>
+                      <a:r>
+                        <a:rPr lang="en-US" sz="1500" b="1">
+                          <a:solidFill>
+                            <a:schemeClr val="bg1"/>
+                          </a:solidFill>
+                          <a:effectLst/>
+                          <a:latin typeface="inherit"/>
+                        </a:rPr>
+                        <a:t>Age</a:t>
+                      </a:r>
+                    </a:p>
+                  </a:txBody>
+                  <a:tcPr marL="185426" marR="185426" marT="69535" marB="54083">
+                    <a:lnL w="9525" cap="flat" cmpd="sng" algn="ctr">
+                      <a:solidFill>
+                        <a:srgbClr val="DEDFE0"/>
+                      </a:solidFill>
+                      <a:prstDash val="solid"/>
+                      <a:round/>
+                      <a:headEnd type="none" w="med" len="med"/>
+                      <a:tailEnd type="none" w="med" len="med"/>
+                    </a:lnL>
+                    <a:lnR w="9525" cap="flat" cmpd="sng" algn="ctr">
+                      <a:solidFill>
+                        <a:srgbClr val="DEDFE0"/>
+                      </a:solidFill>
+                      <a:prstDash val="solid"/>
+                      <a:round/>
+                      <a:headEnd type="none" w="med" len="med"/>
+                      <a:tailEnd type="none" w="med" len="med"/>
+                    </a:lnR>
+                    <a:lnT w="9525" cap="flat" cmpd="sng" algn="ctr">
+                      <a:solidFill>
+                        <a:srgbClr val="DEDFE0"/>
+                      </a:solidFill>
+                      <a:prstDash val="solid"/>
+                      <a:round/>
+                      <a:headEnd type="none" w="med" len="med"/>
+                      <a:tailEnd type="none" w="med" len="med"/>
+                    </a:lnT>
+                    <a:lnB w="9525" cap="flat" cmpd="sng" algn="ctr">
+                      <a:solidFill>
+                        <a:srgbClr val="DEDFE0"/>
+                      </a:solidFill>
+                      <a:prstDash val="solid"/>
+                      <a:round/>
+                      <a:headEnd type="none" w="med" len="med"/>
+                      <a:tailEnd type="none" w="med" len="med"/>
+                    </a:lnB>
+                    <a:solidFill>
+                      <a:schemeClr val="tx1"/>
+                    </a:solidFill>
+                  </a:tcPr>
+                </a:tc>
+                <a:tc>
+                  <a:txBody>
+                    <a:bodyPr/>
+                    <a:lstStyle/>
+                    <a:p>
+                      <a:pPr fontAlgn="t"/>
+                      <a:r>
+                        <a:rPr lang="en-US" sz="1500" b="0">
+                          <a:effectLst/>
+                          <a:latin typeface="inherit"/>
+                        </a:rPr>
+                        <a:t>Age in years</a:t>
+                      </a:r>
+                    </a:p>
+                  </a:txBody>
+                  <a:tcPr marL="185426" marR="185426" marT="69535" marB="54083">
+                    <a:lnL w="9525" cap="flat" cmpd="sng" algn="ctr">
+                      <a:solidFill>
+                        <a:srgbClr val="DEDFE0"/>
+                      </a:solidFill>
+                      <a:prstDash val="solid"/>
+                      <a:round/>
+                      <a:headEnd type="none" w="med" len="med"/>
+                      <a:tailEnd type="none" w="med" len="med"/>
+                    </a:lnL>
+                    <a:lnR w="9525" cap="flat" cmpd="sng" algn="ctr">
+                      <a:solidFill>
+                        <a:srgbClr val="DEDFE0"/>
+                      </a:solidFill>
+                      <a:prstDash val="solid"/>
+                      <a:round/>
+                      <a:headEnd type="none" w="med" len="med"/>
+                      <a:tailEnd type="none" w="med" len="med"/>
+                    </a:lnR>
+                    <a:lnT w="9525" cap="flat" cmpd="sng" algn="ctr">
+                      <a:solidFill>
+                        <a:srgbClr val="DEDFE0"/>
+                      </a:solidFill>
+                      <a:prstDash val="solid"/>
+                      <a:round/>
+                      <a:headEnd type="none" w="med" len="med"/>
+                      <a:tailEnd type="none" w="med" len="med"/>
+                    </a:lnT>
+                    <a:lnB w="9525" cap="flat" cmpd="sng" algn="ctr">
+                      <a:solidFill>
+                        <a:srgbClr val="DEDFE0"/>
+                      </a:solidFill>
+                      <a:prstDash val="solid"/>
+                      <a:round/>
+                      <a:headEnd type="none" w="med" len="med"/>
+                      <a:tailEnd type="none" w="med" len="med"/>
+                    </a:lnB>
+                    <a:solidFill>
+                      <a:srgbClr val="FFFFFF"/>
+                    </a:solidFill>
+                  </a:tcPr>
+                </a:tc>
+                <a:tc>
+                  <a:txBody>
+                    <a:bodyPr/>
+                    <a:lstStyle/>
+                    <a:p>
+                      <a:pPr fontAlgn="t"/>
+                      <a:endParaRPr lang="en-US" sz="1500" b="0">
+                        <a:effectLst/>
+                        <a:latin typeface="inherit"/>
+                      </a:endParaRPr>
+                    </a:p>
+                  </a:txBody>
+                  <a:tcPr marL="185426" marR="185426" marT="69535" marB="54083">
+                    <a:lnL w="9525" cap="flat" cmpd="sng" algn="ctr">
+                      <a:solidFill>
+                        <a:srgbClr val="DEDFE0"/>
+                      </a:solidFill>
+                      <a:prstDash val="solid"/>
+                      <a:round/>
+                      <a:headEnd type="none" w="med" len="med"/>
+                      <a:tailEnd type="none" w="med" len="med"/>
+                    </a:lnL>
+                    <a:lnR w="9525" cap="flat" cmpd="sng" algn="ctr">
+                      <a:solidFill>
+                        <a:srgbClr val="DEDFE0"/>
+                      </a:solidFill>
+                      <a:prstDash val="solid"/>
+                      <a:round/>
+                      <a:headEnd type="none" w="med" len="med"/>
+                      <a:tailEnd type="none" w="med" len="med"/>
+                    </a:lnR>
+                    <a:lnT w="9525" cap="flat" cmpd="sng" algn="ctr">
+                      <a:solidFill>
+                        <a:srgbClr val="DEDFE0"/>
+                      </a:solidFill>
+                      <a:prstDash val="solid"/>
+                      <a:round/>
+                      <a:headEnd type="none" w="med" len="med"/>
+                      <a:tailEnd type="none" w="med" len="med"/>
+                    </a:lnT>
+                    <a:lnB w="9525" cap="flat" cmpd="sng" algn="ctr">
+                      <a:solidFill>
+                        <a:srgbClr val="DEDFE0"/>
+                      </a:solidFill>
+                      <a:prstDash val="solid"/>
+                      <a:round/>
+                      <a:headEnd type="none" w="med" len="med"/>
+                      <a:tailEnd type="none" w="med" len="med"/>
+                    </a:lnB>
+                    <a:solidFill>
+                      <a:srgbClr val="FFFFFF"/>
+                    </a:solidFill>
+                  </a:tcPr>
+                </a:tc>
+                <a:extLst>
+                  <a:ext uri="{0D108BD9-81ED-4DB2-BD59-A6C34878D82A}">
+                    <a16:rowId xmlns:a16="http://schemas.microsoft.com/office/drawing/2014/main" val="3285622993"/>
+                  </a:ext>
+                </a:extLst>
+              </a:tr>
+              <a:tr h="365326">
+                <a:tc>
+                  <a:txBody>
+                    <a:bodyPr/>
+                    <a:lstStyle/>
+                    <a:p>
+                      <a:pPr fontAlgn="t"/>
+                      <a:r>
+                        <a:rPr lang="en-US" sz="1500" b="1">
+                          <a:solidFill>
+                            <a:schemeClr val="bg1"/>
+                          </a:solidFill>
+                          <a:effectLst/>
+                          <a:latin typeface="inherit"/>
+                        </a:rPr>
+                        <a:t>sibsp</a:t>
+                      </a:r>
+                    </a:p>
+                  </a:txBody>
+                  <a:tcPr marL="185426" marR="185426" marT="69535" marB="54083">
+                    <a:lnL w="9525" cap="flat" cmpd="sng" algn="ctr">
+                      <a:solidFill>
+                        <a:srgbClr val="DEDFE0"/>
+                      </a:solidFill>
+                      <a:prstDash val="solid"/>
+                      <a:round/>
+                      <a:headEnd type="none" w="med" len="med"/>
+                      <a:tailEnd type="none" w="med" len="med"/>
+                    </a:lnL>
+                    <a:lnR w="9525" cap="flat" cmpd="sng" algn="ctr">
+                      <a:solidFill>
+                        <a:srgbClr val="DEDFE0"/>
+                      </a:solidFill>
+                      <a:prstDash val="solid"/>
+                      <a:round/>
+                      <a:headEnd type="none" w="med" len="med"/>
+                      <a:tailEnd type="none" w="med" len="med"/>
+                    </a:lnR>
+                    <a:lnT w="9525" cap="flat" cmpd="sng" algn="ctr">
+                      <a:solidFill>
+                        <a:srgbClr val="DEDFE0"/>
+                      </a:solidFill>
+                      <a:prstDash val="solid"/>
+                      <a:round/>
+                      <a:headEnd type="none" w="med" len="med"/>
+                      <a:tailEnd type="none" w="med" len="med"/>
+                    </a:lnT>
+                    <a:lnB w="9525" cap="flat" cmpd="sng" algn="ctr">
+                      <a:solidFill>
+                        <a:srgbClr val="DEDFE0"/>
+                      </a:solidFill>
+                      <a:prstDash val="solid"/>
+                      <a:round/>
+                      <a:headEnd type="none" w="med" len="med"/>
+                      <a:tailEnd type="none" w="med" len="med"/>
+                    </a:lnB>
+                    <a:solidFill>
+                      <a:schemeClr val="tx1"/>
+                    </a:solidFill>
+                  </a:tcPr>
+                </a:tc>
+                <a:tc>
+                  <a:txBody>
+                    <a:bodyPr/>
+                    <a:lstStyle/>
+                    <a:p>
+                      <a:pPr fontAlgn="t"/>
+                      <a:r>
+                        <a:rPr lang="en-US" sz="1500" b="0">
+                          <a:effectLst/>
+                          <a:latin typeface="inherit"/>
+                        </a:rPr>
+                        <a:t># of siblings / spouses</a:t>
+                      </a:r>
+                    </a:p>
+                  </a:txBody>
+                  <a:tcPr marL="185426" marR="185426" marT="69535" marB="54083">
+                    <a:lnL w="9525" cap="flat" cmpd="sng" algn="ctr">
+                      <a:solidFill>
+                        <a:srgbClr val="DEDFE0"/>
+                      </a:solidFill>
+                      <a:prstDash val="solid"/>
+                      <a:round/>
+                      <a:headEnd type="none" w="med" len="med"/>
+                      <a:tailEnd type="none" w="med" len="med"/>
+                    </a:lnL>
+                    <a:lnR w="9525" cap="flat" cmpd="sng" algn="ctr">
+                      <a:solidFill>
+                        <a:srgbClr val="DEDFE0"/>
+                      </a:solidFill>
+                      <a:prstDash val="solid"/>
+                      <a:round/>
+                      <a:headEnd type="none" w="med" len="med"/>
+                      <a:tailEnd type="none" w="med" len="med"/>
+                    </a:lnR>
+                    <a:lnT w="9525" cap="flat" cmpd="sng" algn="ctr">
+                      <a:solidFill>
+                        <a:srgbClr val="DEDFE0"/>
+                      </a:solidFill>
+                      <a:prstDash val="solid"/>
+                      <a:round/>
+                      <a:headEnd type="none" w="med" len="med"/>
+                      <a:tailEnd type="none" w="med" len="med"/>
+                    </a:lnT>
+                    <a:lnB w="9525" cap="flat" cmpd="sng" algn="ctr">
+                      <a:solidFill>
+                        <a:srgbClr val="DEDFE0"/>
+                      </a:solidFill>
+                      <a:prstDash val="solid"/>
+                      <a:round/>
+                      <a:headEnd type="none" w="med" len="med"/>
+                      <a:tailEnd type="none" w="med" len="med"/>
+                    </a:lnB>
+                    <a:solidFill>
+                      <a:srgbClr val="FFFFFF"/>
+                    </a:solidFill>
+                  </a:tcPr>
+                </a:tc>
+                <a:tc>
+                  <a:txBody>
+                    <a:bodyPr/>
+                    <a:lstStyle/>
+                    <a:p>
+                      <a:pPr fontAlgn="t"/>
+                      <a:endParaRPr lang="en-US" sz="1500" b="0">
+                        <a:effectLst/>
+                        <a:latin typeface="inherit"/>
+                      </a:endParaRPr>
+                    </a:p>
+                  </a:txBody>
+                  <a:tcPr marL="185426" marR="185426" marT="69535" marB="54083">
+                    <a:lnL w="9525" cap="flat" cmpd="sng" algn="ctr">
+                      <a:solidFill>
+                        <a:srgbClr val="DEDFE0"/>
+                      </a:solidFill>
+                      <a:prstDash val="solid"/>
+                      <a:round/>
+                      <a:headEnd type="none" w="med" len="med"/>
+                      <a:tailEnd type="none" w="med" len="med"/>
+                    </a:lnL>
+                    <a:lnR w="9525" cap="flat" cmpd="sng" algn="ctr">
+                      <a:solidFill>
+                        <a:srgbClr val="DEDFE0"/>
+                      </a:solidFill>
+                      <a:prstDash val="solid"/>
+                      <a:round/>
+                      <a:headEnd type="none" w="med" len="med"/>
+                      <a:tailEnd type="none" w="med" len="med"/>
+                    </a:lnR>
+                    <a:lnT w="9525" cap="flat" cmpd="sng" algn="ctr">
+                      <a:solidFill>
+                        <a:srgbClr val="DEDFE0"/>
+                      </a:solidFill>
+                      <a:prstDash val="solid"/>
+                      <a:round/>
+                      <a:headEnd type="none" w="med" len="med"/>
+                      <a:tailEnd type="none" w="med" len="med"/>
+                    </a:lnT>
+                    <a:lnB w="9525" cap="flat" cmpd="sng" algn="ctr">
+                      <a:solidFill>
+                        <a:srgbClr val="DEDFE0"/>
+                      </a:solidFill>
+                      <a:prstDash val="solid"/>
+                      <a:round/>
+                      <a:headEnd type="none" w="med" len="med"/>
+                      <a:tailEnd type="none" w="med" len="med"/>
+                    </a:lnB>
+                    <a:solidFill>
+                      <a:srgbClr val="FFFFFF"/>
+                    </a:solidFill>
+                  </a:tcPr>
+                </a:tc>
+                <a:extLst>
+                  <a:ext uri="{0D108BD9-81ED-4DB2-BD59-A6C34878D82A}">
+                    <a16:rowId xmlns:a16="http://schemas.microsoft.com/office/drawing/2014/main" val="3916450879"/>
+                  </a:ext>
+                </a:extLst>
+              </a:tr>
+              <a:tr h="400693">
+                <a:tc>
+                  <a:txBody>
+                    <a:bodyPr/>
+                    <a:lstStyle/>
+                    <a:p>
+                      <a:pPr fontAlgn="t"/>
+                      <a:r>
+                        <a:rPr lang="en-US" sz="1500" b="1">
+                          <a:solidFill>
+                            <a:schemeClr val="bg1"/>
+                          </a:solidFill>
+                          <a:effectLst/>
+                          <a:latin typeface="inherit"/>
+                        </a:rPr>
+                        <a:t>parch</a:t>
+                      </a:r>
+                    </a:p>
+                  </a:txBody>
+                  <a:tcPr marL="185426" marR="185426" marT="69535" marB="54083">
+                    <a:lnL w="9525" cap="flat" cmpd="sng" algn="ctr">
+                      <a:solidFill>
+                        <a:srgbClr val="DEDFE0"/>
+                      </a:solidFill>
+                      <a:prstDash val="solid"/>
+                      <a:round/>
+                      <a:headEnd type="none" w="med" len="med"/>
+                      <a:tailEnd type="none" w="med" len="med"/>
+                    </a:lnL>
+                    <a:lnR w="9525" cap="flat" cmpd="sng" algn="ctr">
+                      <a:solidFill>
+                        <a:srgbClr val="DEDFE0"/>
+                      </a:solidFill>
+                      <a:prstDash val="solid"/>
+                      <a:round/>
+                      <a:headEnd type="none" w="med" len="med"/>
+                      <a:tailEnd type="none" w="med" len="med"/>
+                    </a:lnR>
+                    <a:lnT w="9525" cap="flat" cmpd="sng" algn="ctr">
+                      <a:solidFill>
+                        <a:srgbClr val="DEDFE0"/>
+                      </a:solidFill>
+                      <a:prstDash val="solid"/>
+                      <a:round/>
+                      <a:headEnd type="none" w="med" len="med"/>
+                      <a:tailEnd type="none" w="med" len="med"/>
+                    </a:lnT>
+                    <a:lnB w="9525" cap="flat" cmpd="sng" algn="ctr">
+                      <a:solidFill>
+                        <a:srgbClr val="DEDFE0"/>
+                      </a:solidFill>
+                      <a:prstDash val="solid"/>
+                      <a:round/>
+                      <a:headEnd type="none" w="med" len="med"/>
+                      <a:tailEnd type="none" w="med" len="med"/>
+                    </a:lnB>
+                    <a:solidFill>
+                      <a:schemeClr val="tx1"/>
+                    </a:solidFill>
+                  </a:tcPr>
+                </a:tc>
+                <a:tc>
+                  <a:txBody>
+                    <a:bodyPr/>
+                    <a:lstStyle/>
+                    <a:p>
+                      <a:pPr fontAlgn="t"/>
+                      <a:r>
+                        <a:rPr lang="en-US" sz="1500" b="0">
+                          <a:effectLst/>
+                          <a:latin typeface="inherit"/>
+                        </a:rPr>
+                        <a:t># of parents / children</a:t>
+                      </a:r>
+                    </a:p>
+                  </a:txBody>
+                  <a:tcPr marL="185426" marR="185426" marT="69535" marB="54083">
+                    <a:lnL w="9525" cap="flat" cmpd="sng" algn="ctr">
+                      <a:solidFill>
+                        <a:srgbClr val="DEDFE0"/>
+                      </a:solidFill>
+                      <a:prstDash val="solid"/>
+                      <a:round/>
+                      <a:headEnd type="none" w="med" len="med"/>
+                      <a:tailEnd type="none" w="med" len="med"/>
+                    </a:lnL>
+                    <a:lnR w="9525" cap="flat" cmpd="sng" algn="ctr">
+                      <a:solidFill>
+                        <a:srgbClr val="DEDFE0"/>
+                      </a:solidFill>
+                      <a:prstDash val="solid"/>
+                      <a:round/>
+                      <a:headEnd type="none" w="med" len="med"/>
+                      <a:tailEnd type="none" w="med" len="med"/>
+                    </a:lnR>
+                    <a:lnT w="9525" cap="flat" cmpd="sng" algn="ctr">
+                      <a:solidFill>
+                        <a:srgbClr val="DEDFE0"/>
+                      </a:solidFill>
+                      <a:prstDash val="solid"/>
+                      <a:round/>
+                      <a:headEnd type="none" w="med" len="med"/>
+                      <a:tailEnd type="none" w="med" len="med"/>
+                    </a:lnT>
+                    <a:lnB w="9525" cap="flat" cmpd="sng" algn="ctr">
+                      <a:solidFill>
+                        <a:srgbClr val="DEDFE0"/>
+                      </a:solidFill>
+                      <a:prstDash val="solid"/>
+                      <a:round/>
+                      <a:headEnd type="none" w="med" len="med"/>
+                      <a:tailEnd type="none" w="med" len="med"/>
+                    </a:lnB>
+                    <a:solidFill>
+                      <a:srgbClr val="FFFFFF"/>
+                    </a:solidFill>
+                  </a:tcPr>
+                </a:tc>
+                <a:tc>
+                  <a:txBody>
+                    <a:bodyPr/>
+                    <a:lstStyle/>
+                    <a:p>
+                      <a:pPr fontAlgn="t"/>
+                      <a:endParaRPr lang="en-US" sz="1500" b="0">
+                        <a:effectLst/>
+                        <a:latin typeface="inherit"/>
+                      </a:endParaRPr>
+                    </a:p>
+                  </a:txBody>
+                  <a:tcPr marL="185426" marR="185426" marT="69535" marB="54083">
+                    <a:lnL w="9525" cap="flat" cmpd="sng" algn="ctr">
+                      <a:solidFill>
+                        <a:srgbClr val="DEDFE0"/>
+                      </a:solidFill>
+                      <a:prstDash val="solid"/>
+                      <a:round/>
+                      <a:headEnd type="none" w="med" len="med"/>
+                      <a:tailEnd type="none" w="med" len="med"/>
+                    </a:lnL>
+                    <a:lnR w="9525" cap="flat" cmpd="sng" algn="ctr">
+                      <a:solidFill>
+                        <a:srgbClr val="DEDFE0"/>
+                      </a:solidFill>
+                      <a:prstDash val="solid"/>
+                      <a:round/>
+                      <a:headEnd type="none" w="med" len="med"/>
+                      <a:tailEnd type="none" w="med" len="med"/>
+                    </a:lnR>
+                    <a:lnT w="9525" cap="flat" cmpd="sng" algn="ctr">
+                      <a:solidFill>
+                        <a:srgbClr val="DEDFE0"/>
+                      </a:solidFill>
+                      <a:prstDash val="solid"/>
+                      <a:round/>
+                      <a:headEnd type="none" w="med" len="med"/>
+                      <a:tailEnd type="none" w="med" len="med"/>
+                    </a:lnT>
+                    <a:lnB w="9525" cap="flat" cmpd="sng" algn="ctr">
+                      <a:solidFill>
+                        <a:srgbClr val="DEDFE0"/>
+                      </a:solidFill>
+                      <a:prstDash val="solid"/>
+                      <a:round/>
+                      <a:headEnd type="none" w="med" len="med"/>
+                      <a:tailEnd type="none" w="med" len="med"/>
+                    </a:lnB>
+                    <a:solidFill>
+                      <a:srgbClr val="FFFFFF"/>
+                    </a:solidFill>
+                  </a:tcPr>
+                </a:tc>
+                <a:extLst>
+                  <a:ext uri="{0D108BD9-81ED-4DB2-BD59-A6C34878D82A}">
+                    <a16:rowId xmlns:a16="http://schemas.microsoft.com/office/drawing/2014/main" val="1250505648"/>
+                  </a:ext>
+                </a:extLst>
+              </a:tr>
+              <a:tr h="346129">
+                <a:tc>
+                  <a:txBody>
+                    <a:bodyPr/>
+                    <a:lstStyle/>
+                    <a:p>
+                      <a:pPr fontAlgn="t"/>
+                      <a:r>
+                        <a:rPr lang="en-US" sz="1500" b="1">
+                          <a:solidFill>
+                            <a:schemeClr val="bg1"/>
+                          </a:solidFill>
+                          <a:effectLst/>
+                          <a:latin typeface="inherit"/>
+                        </a:rPr>
+                        <a:t>ticket</a:t>
+                      </a:r>
+                    </a:p>
+                  </a:txBody>
+                  <a:tcPr marL="185426" marR="185426" marT="69535" marB="54083">
+                    <a:lnL w="9525" cap="flat" cmpd="sng" algn="ctr">
+                      <a:solidFill>
+                        <a:srgbClr val="DEDFE0"/>
+                      </a:solidFill>
+                      <a:prstDash val="solid"/>
+                      <a:round/>
+                      <a:headEnd type="none" w="med" len="med"/>
+                      <a:tailEnd type="none" w="med" len="med"/>
+                    </a:lnL>
+                    <a:lnR w="9525" cap="flat" cmpd="sng" algn="ctr">
+                      <a:solidFill>
+                        <a:srgbClr val="DEDFE0"/>
+                      </a:solidFill>
+                      <a:prstDash val="solid"/>
+                      <a:round/>
+                      <a:headEnd type="none" w="med" len="med"/>
+                      <a:tailEnd type="none" w="med" len="med"/>
+                    </a:lnR>
+                    <a:lnT w="9525" cap="flat" cmpd="sng" algn="ctr">
+                      <a:solidFill>
+                        <a:srgbClr val="DEDFE0"/>
+                      </a:solidFill>
+                      <a:prstDash val="solid"/>
+                      <a:round/>
+                      <a:headEnd type="none" w="med" len="med"/>
+                      <a:tailEnd type="none" w="med" len="med"/>
+                    </a:lnT>
+                    <a:lnB w="9525" cap="flat" cmpd="sng" algn="ctr">
+                      <a:solidFill>
+                        <a:srgbClr val="DEDFE0"/>
+                      </a:solidFill>
+                      <a:prstDash val="solid"/>
+                      <a:round/>
+                      <a:headEnd type="none" w="med" len="med"/>
+                      <a:tailEnd type="none" w="med" len="med"/>
+                    </a:lnB>
+                    <a:solidFill>
+                      <a:schemeClr val="tx1"/>
+                    </a:solidFill>
+                  </a:tcPr>
+                </a:tc>
+                <a:tc>
+                  <a:txBody>
+                    <a:bodyPr/>
+                    <a:lstStyle/>
+                    <a:p>
+                      <a:pPr fontAlgn="t"/>
+                      <a:r>
+                        <a:rPr lang="en-US" sz="1500" b="0">
+                          <a:effectLst/>
+                          <a:latin typeface="inherit"/>
+                        </a:rPr>
+                        <a:t>Ticket number</a:t>
+                      </a:r>
+                    </a:p>
+                  </a:txBody>
+                  <a:tcPr marL="185426" marR="185426" marT="69535" marB="54083">
+                    <a:lnL w="9525" cap="flat" cmpd="sng" algn="ctr">
+                      <a:solidFill>
+                        <a:srgbClr val="DEDFE0"/>
+                      </a:solidFill>
+                      <a:prstDash val="solid"/>
+                      <a:round/>
+                      <a:headEnd type="none" w="med" len="med"/>
+                      <a:tailEnd type="none" w="med" len="med"/>
+                    </a:lnL>
+                    <a:lnR w="9525" cap="flat" cmpd="sng" algn="ctr">
+                      <a:solidFill>
+                        <a:srgbClr val="DEDFE0"/>
+                      </a:solidFill>
+                      <a:prstDash val="solid"/>
+                      <a:round/>
+                      <a:headEnd type="none" w="med" len="med"/>
+                      <a:tailEnd type="none" w="med" len="med"/>
+                    </a:lnR>
+                    <a:lnT w="9525" cap="flat" cmpd="sng" algn="ctr">
+                      <a:solidFill>
+                        <a:srgbClr val="DEDFE0"/>
+                      </a:solidFill>
+                      <a:prstDash val="solid"/>
+                      <a:round/>
+                      <a:headEnd type="none" w="med" len="med"/>
+                      <a:tailEnd type="none" w="med" len="med"/>
+                    </a:lnT>
+                    <a:lnB w="9525" cap="flat" cmpd="sng" algn="ctr">
+                      <a:solidFill>
+                        <a:srgbClr val="DEDFE0"/>
+                      </a:solidFill>
+                      <a:prstDash val="solid"/>
+                      <a:round/>
+                      <a:headEnd type="none" w="med" len="med"/>
+                      <a:tailEnd type="none" w="med" len="med"/>
+                    </a:lnB>
+                    <a:solidFill>
+                      <a:srgbClr val="FFFFFF"/>
+                    </a:solidFill>
+                  </a:tcPr>
+                </a:tc>
+                <a:tc>
+                  <a:txBody>
+                    <a:bodyPr/>
+                    <a:lstStyle/>
+                    <a:p>
+                      <a:pPr fontAlgn="t"/>
+                      <a:endParaRPr lang="en-US" sz="1500" b="0">
+                        <a:effectLst/>
+                        <a:latin typeface="inherit"/>
+                      </a:endParaRPr>
+                    </a:p>
+                  </a:txBody>
+                  <a:tcPr marL="185426" marR="185426" marT="69535" marB="54083">
+                    <a:lnL w="9525" cap="flat" cmpd="sng" algn="ctr">
+                      <a:solidFill>
+                        <a:srgbClr val="DEDFE0"/>
+                      </a:solidFill>
+                      <a:prstDash val="solid"/>
+                      <a:round/>
+                      <a:headEnd type="none" w="med" len="med"/>
+                      <a:tailEnd type="none" w="med" len="med"/>
+                    </a:lnL>
+                    <a:lnR w="9525" cap="flat" cmpd="sng" algn="ctr">
+                      <a:solidFill>
+                        <a:srgbClr val="DEDFE0"/>
+                      </a:solidFill>
+                      <a:prstDash val="solid"/>
+                      <a:round/>
+                      <a:headEnd type="none" w="med" len="med"/>
+                      <a:tailEnd type="none" w="med" len="med"/>
+                    </a:lnR>
+                    <a:lnT w="9525" cap="flat" cmpd="sng" algn="ctr">
+                      <a:solidFill>
+                        <a:srgbClr val="DEDFE0"/>
+                      </a:solidFill>
+                      <a:prstDash val="solid"/>
+                      <a:round/>
+                      <a:headEnd type="none" w="med" len="med"/>
+                      <a:tailEnd type="none" w="med" len="med"/>
+                    </a:lnT>
+                    <a:lnB w="9525" cap="flat" cmpd="sng" algn="ctr">
+                      <a:solidFill>
+                        <a:srgbClr val="DEDFE0"/>
+                      </a:solidFill>
+                      <a:prstDash val="solid"/>
+                      <a:round/>
+                      <a:headEnd type="none" w="med" len="med"/>
+                      <a:tailEnd type="none" w="med" len="med"/>
+                    </a:lnB>
+                    <a:solidFill>
+                      <a:srgbClr val="FFFFFF"/>
+                    </a:solidFill>
+                  </a:tcPr>
+                </a:tc>
+                <a:extLst>
+                  <a:ext uri="{0D108BD9-81ED-4DB2-BD59-A6C34878D82A}">
+                    <a16:rowId xmlns:a16="http://schemas.microsoft.com/office/drawing/2014/main" val="4106991402"/>
+                  </a:ext>
+                </a:extLst>
+              </a:tr>
+              <a:tr h="346129">
+                <a:tc>
+                  <a:txBody>
+                    <a:bodyPr/>
+                    <a:lstStyle/>
+                    <a:p>
+                      <a:pPr fontAlgn="t"/>
+                      <a:r>
+                        <a:rPr lang="en-US" sz="1500" b="1">
+                          <a:solidFill>
+                            <a:schemeClr val="bg1"/>
+                          </a:solidFill>
+                          <a:effectLst/>
+                          <a:latin typeface="inherit"/>
+                        </a:rPr>
+                        <a:t>fare</a:t>
+                      </a:r>
+                    </a:p>
+                  </a:txBody>
+                  <a:tcPr marL="185426" marR="185426" marT="69535" marB="54083">
+                    <a:lnL w="9525" cap="flat" cmpd="sng" algn="ctr">
+                      <a:solidFill>
+                        <a:srgbClr val="DEDFE0"/>
+                      </a:solidFill>
+                      <a:prstDash val="solid"/>
+                      <a:round/>
+                      <a:headEnd type="none" w="med" len="med"/>
+                      <a:tailEnd type="none" w="med" len="med"/>
+                    </a:lnL>
+                    <a:lnR w="9525" cap="flat" cmpd="sng" algn="ctr">
+                      <a:solidFill>
+                        <a:srgbClr val="DEDFE0"/>
+                      </a:solidFill>
+                      <a:prstDash val="solid"/>
+                      <a:round/>
+                      <a:headEnd type="none" w="med" len="med"/>
+                      <a:tailEnd type="none" w="med" len="med"/>
+                    </a:lnR>
+                    <a:lnT w="9525" cap="flat" cmpd="sng" algn="ctr">
+                      <a:solidFill>
+                        <a:srgbClr val="DEDFE0"/>
+                      </a:solidFill>
+                      <a:prstDash val="solid"/>
+                      <a:round/>
+                      <a:headEnd type="none" w="med" len="med"/>
+                      <a:tailEnd type="none" w="med" len="med"/>
+                    </a:lnT>
+                    <a:lnB w="9525" cap="flat" cmpd="sng" algn="ctr">
+                      <a:solidFill>
+                        <a:srgbClr val="DEDFE0"/>
+                      </a:solidFill>
+                      <a:prstDash val="solid"/>
+                      <a:round/>
+                      <a:headEnd type="none" w="med" len="med"/>
+                      <a:tailEnd type="none" w="med" len="med"/>
+                    </a:lnB>
+                    <a:solidFill>
+                      <a:schemeClr val="tx1"/>
+                    </a:solidFill>
+                  </a:tcPr>
+                </a:tc>
+                <a:tc>
+                  <a:txBody>
+                    <a:bodyPr/>
+                    <a:lstStyle/>
+                    <a:p>
+                      <a:pPr fontAlgn="t"/>
+                      <a:r>
+                        <a:rPr lang="en-US" sz="1500" b="0">
+                          <a:effectLst/>
+                          <a:latin typeface="inherit"/>
+                        </a:rPr>
+                        <a:t>Passenger fare</a:t>
+                      </a:r>
+                    </a:p>
+                  </a:txBody>
+                  <a:tcPr marL="185426" marR="185426" marT="69535" marB="54083">
+                    <a:lnL w="9525" cap="flat" cmpd="sng" algn="ctr">
+                      <a:solidFill>
+                        <a:srgbClr val="DEDFE0"/>
+                      </a:solidFill>
+                      <a:prstDash val="solid"/>
+                      <a:round/>
+                      <a:headEnd type="none" w="med" len="med"/>
+                      <a:tailEnd type="none" w="med" len="med"/>
+                    </a:lnL>
+                    <a:lnR w="9525" cap="flat" cmpd="sng" algn="ctr">
+                      <a:solidFill>
+                        <a:srgbClr val="DEDFE0"/>
+                      </a:solidFill>
+                      <a:prstDash val="solid"/>
+                      <a:round/>
+                      <a:headEnd type="none" w="med" len="med"/>
+                      <a:tailEnd type="none" w="med" len="med"/>
+                    </a:lnR>
+                    <a:lnT w="9525" cap="flat" cmpd="sng" algn="ctr">
+                      <a:solidFill>
+                        <a:srgbClr val="DEDFE0"/>
+                      </a:solidFill>
+                      <a:prstDash val="solid"/>
+                      <a:round/>
+                      <a:headEnd type="none" w="med" len="med"/>
+                      <a:tailEnd type="none" w="med" len="med"/>
+                    </a:lnT>
+                    <a:lnB w="9525" cap="flat" cmpd="sng" algn="ctr">
+                      <a:solidFill>
+                        <a:srgbClr val="DEDFE0"/>
+                      </a:solidFill>
+                      <a:prstDash val="solid"/>
+                      <a:round/>
+                      <a:headEnd type="none" w="med" len="med"/>
+                      <a:tailEnd type="none" w="med" len="med"/>
+                    </a:lnB>
+                    <a:solidFill>
+                      <a:srgbClr val="FFFFFF"/>
+                    </a:solidFill>
+                  </a:tcPr>
+                </a:tc>
+                <a:tc>
+                  <a:txBody>
+                    <a:bodyPr/>
+                    <a:lstStyle/>
+                    <a:p>
+                      <a:pPr fontAlgn="t"/>
+                      <a:endParaRPr lang="en-US" sz="1500" b="0">
+                        <a:effectLst/>
+                        <a:latin typeface="inherit"/>
+                      </a:endParaRPr>
+                    </a:p>
+                  </a:txBody>
+                  <a:tcPr marL="185426" marR="185426" marT="69535" marB="54083">
+                    <a:lnL w="9525" cap="flat" cmpd="sng" algn="ctr">
+                      <a:solidFill>
+                        <a:srgbClr val="DEDFE0"/>
+                      </a:solidFill>
+                      <a:prstDash val="solid"/>
+                      <a:round/>
+                      <a:headEnd type="none" w="med" len="med"/>
+                      <a:tailEnd type="none" w="med" len="med"/>
+                    </a:lnL>
+                    <a:lnR w="9525" cap="flat" cmpd="sng" algn="ctr">
+                      <a:solidFill>
+                        <a:srgbClr val="DEDFE0"/>
+                      </a:solidFill>
+                      <a:prstDash val="solid"/>
+                      <a:round/>
+                      <a:headEnd type="none" w="med" len="med"/>
+                      <a:tailEnd type="none" w="med" len="med"/>
+                    </a:lnR>
+                    <a:lnT w="9525" cap="flat" cmpd="sng" algn="ctr">
+                      <a:solidFill>
+                        <a:srgbClr val="DEDFE0"/>
+                      </a:solidFill>
+                      <a:prstDash val="solid"/>
+                      <a:round/>
+                      <a:headEnd type="none" w="med" len="med"/>
+                      <a:tailEnd type="none" w="med" len="med"/>
+                    </a:lnT>
+                    <a:lnB w="9525" cap="flat" cmpd="sng" algn="ctr">
+                      <a:solidFill>
+                        <a:srgbClr val="DEDFE0"/>
+                      </a:solidFill>
+                      <a:prstDash val="solid"/>
+                      <a:round/>
+                      <a:headEnd type="none" w="med" len="med"/>
+                      <a:tailEnd type="none" w="med" len="med"/>
+                    </a:lnB>
+                    <a:solidFill>
+                      <a:srgbClr val="FFFFFF"/>
+                    </a:solidFill>
+                  </a:tcPr>
+                </a:tc>
+                <a:extLst>
+                  <a:ext uri="{0D108BD9-81ED-4DB2-BD59-A6C34878D82A}">
+                    <a16:rowId xmlns:a16="http://schemas.microsoft.com/office/drawing/2014/main" val="3953375911"/>
+                  </a:ext>
+                </a:extLst>
+              </a:tr>
+              <a:tr h="346129">
+                <a:tc>
+                  <a:txBody>
+                    <a:bodyPr/>
+                    <a:lstStyle/>
+                    <a:p>
+                      <a:pPr fontAlgn="t"/>
+                      <a:r>
+                        <a:rPr lang="en-US" sz="1500" b="1">
+                          <a:solidFill>
+                            <a:schemeClr val="bg1"/>
+                          </a:solidFill>
+                          <a:effectLst/>
+                          <a:latin typeface="inherit"/>
+                        </a:rPr>
+                        <a:t>cabin</a:t>
+                      </a:r>
+                    </a:p>
+                  </a:txBody>
+                  <a:tcPr marL="185426" marR="185426" marT="69535" marB="54083">
+                    <a:lnL w="9525" cap="flat" cmpd="sng" algn="ctr">
+                      <a:solidFill>
+                        <a:srgbClr val="DEDFE0"/>
+                      </a:solidFill>
+                      <a:prstDash val="solid"/>
+                      <a:round/>
+                      <a:headEnd type="none" w="med" len="med"/>
+                      <a:tailEnd type="none" w="med" len="med"/>
+                    </a:lnL>
+                    <a:lnR w="9525" cap="flat" cmpd="sng" algn="ctr">
+                      <a:solidFill>
+                        <a:srgbClr val="DEDFE0"/>
+                      </a:solidFill>
+                      <a:prstDash val="solid"/>
+                      <a:round/>
+                      <a:headEnd type="none" w="med" len="med"/>
+                      <a:tailEnd type="none" w="med" len="med"/>
+                    </a:lnR>
+                    <a:lnT w="9525" cap="flat" cmpd="sng" algn="ctr">
+                      <a:solidFill>
+                        <a:srgbClr val="DEDFE0"/>
+                      </a:solidFill>
+                      <a:prstDash val="solid"/>
+                      <a:round/>
+                      <a:headEnd type="none" w="med" len="med"/>
+                      <a:tailEnd type="none" w="med" len="med"/>
+                    </a:lnT>
+                    <a:lnB w="9525" cap="flat" cmpd="sng" algn="ctr">
+                      <a:solidFill>
+                        <a:srgbClr val="DEDFE0"/>
+                      </a:solidFill>
+                      <a:prstDash val="solid"/>
+                      <a:round/>
+                      <a:headEnd type="none" w="med" len="med"/>
+                      <a:tailEnd type="none" w="med" len="med"/>
+                    </a:lnB>
+                    <a:solidFill>
+                      <a:schemeClr val="tx1"/>
+                    </a:solidFill>
+                  </a:tcPr>
+                </a:tc>
+                <a:tc>
+                  <a:txBody>
+                    <a:bodyPr/>
+                    <a:lstStyle/>
+                    <a:p>
+                      <a:pPr fontAlgn="t"/>
+                      <a:r>
+                        <a:rPr lang="en-US" sz="1500" b="0">
+                          <a:effectLst/>
+                          <a:latin typeface="inherit"/>
+                        </a:rPr>
+                        <a:t>Cabin number</a:t>
+                      </a:r>
+                    </a:p>
+                  </a:txBody>
+                  <a:tcPr marL="185426" marR="185426" marT="69535" marB="54083">
+                    <a:lnL w="9525" cap="flat" cmpd="sng" algn="ctr">
+                      <a:solidFill>
+                        <a:srgbClr val="DEDFE0"/>
+                      </a:solidFill>
+                      <a:prstDash val="solid"/>
+                      <a:round/>
+                      <a:headEnd type="none" w="med" len="med"/>
+                      <a:tailEnd type="none" w="med" len="med"/>
+                    </a:lnL>
+                    <a:lnR w="9525" cap="flat" cmpd="sng" algn="ctr">
+                      <a:solidFill>
+                        <a:srgbClr val="DEDFE0"/>
+                      </a:solidFill>
+                      <a:prstDash val="solid"/>
+                      <a:round/>
+                      <a:headEnd type="none" w="med" len="med"/>
+                      <a:tailEnd type="none" w="med" len="med"/>
+                    </a:lnR>
+                    <a:lnT w="9525" cap="flat" cmpd="sng" algn="ctr">
+                      <a:solidFill>
+                        <a:srgbClr val="DEDFE0"/>
+                      </a:solidFill>
+                      <a:prstDash val="solid"/>
+                      <a:round/>
+                      <a:headEnd type="none" w="med" len="med"/>
+                      <a:tailEnd type="none" w="med" len="med"/>
+                    </a:lnT>
+                    <a:lnB w="9525" cap="flat" cmpd="sng" algn="ctr">
+                      <a:solidFill>
+                        <a:srgbClr val="DEDFE0"/>
+                      </a:solidFill>
+                      <a:prstDash val="solid"/>
+                      <a:round/>
+                      <a:headEnd type="none" w="med" len="med"/>
+                      <a:tailEnd type="none" w="med" len="med"/>
+                    </a:lnB>
+                    <a:solidFill>
+                      <a:srgbClr val="FFFFFF"/>
+                    </a:solidFill>
+                  </a:tcPr>
+                </a:tc>
+                <a:tc>
+                  <a:txBody>
+                    <a:bodyPr/>
+                    <a:lstStyle/>
+                    <a:p>
+                      <a:pPr fontAlgn="t"/>
+                      <a:endParaRPr lang="en-US" sz="1500" b="0">
+                        <a:effectLst/>
+                        <a:latin typeface="inherit"/>
+                      </a:endParaRPr>
+                    </a:p>
+                  </a:txBody>
+                  <a:tcPr marL="185426" marR="185426" marT="69535" marB="54083">
+                    <a:lnL w="9525" cap="flat" cmpd="sng" algn="ctr">
+                      <a:solidFill>
+                        <a:srgbClr val="DEDFE0"/>
+                      </a:solidFill>
+                      <a:prstDash val="solid"/>
+                      <a:round/>
+                      <a:headEnd type="none" w="med" len="med"/>
+                      <a:tailEnd type="none" w="med" len="med"/>
+                    </a:lnL>
+                    <a:lnR w="9525" cap="flat" cmpd="sng" algn="ctr">
+                      <a:solidFill>
+                        <a:srgbClr val="DEDFE0"/>
+                      </a:solidFill>
+                      <a:prstDash val="solid"/>
+                      <a:round/>
+                      <a:headEnd type="none" w="med" len="med"/>
+                      <a:tailEnd type="none" w="med" len="med"/>
+                    </a:lnR>
+                    <a:lnT w="9525" cap="flat" cmpd="sng" algn="ctr">
+                      <a:solidFill>
+                        <a:srgbClr val="DEDFE0"/>
+                      </a:solidFill>
+                      <a:prstDash val="solid"/>
+                      <a:round/>
+                      <a:headEnd type="none" w="med" len="med"/>
+                      <a:tailEnd type="none" w="med" len="med"/>
+                    </a:lnT>
+                    <a:lnB w="9525" cap="flat" cmpd="sng" algn="ctr">
+                      <a:solidFill>
+                        <a:srgbClr val="DEDFE0"/>
+                      </a:solidFill>
+                      <a:prstDash val="solid"/>
+                      <a:round/>
+                      <a:headEnd type="none" w="med" len="med"/>
+                      <a:tailEnd type="none" w="med" len="med"/>
+                    </a:lnB>
+                    <a:solidFill>
+                      <a:srgbClr val="FFFFFF"/>
+                    </a:solidFill>
+                  </a:tcPr>
+                </a:tc>
+                <a:extLst>
+                  <a:ext uri="{0D108BD9-81ED-4DB2-BD59-A6C34878D82A}">
+                    <a16:rowId xmlns:a16="http://schemas.microsoft.com/office/drawing/2014/main" val="156444083"/>
+                  </a:ext>
+                </a:extLst>
+              </a:tr>
+              <a:tr h="791152">
+                <a:tc>
+                  <a:txBody>
+                    <a:bodyPr/>
+                    <a:lstStyle/>
+                    <a:p>
+                      <a:pPr fontAlgn="t"/>
+                      <a:r>
+                        <a:rPr lang="en-US" sz="1500" b="1">
+                          <a:solidFill>
+                            <a:schemeClr val="bg1"/>
+                          </a:solidFill>
+                          <a:effectLst/>
+                          <a:latin typeface="inherit"/>
+                        </a:rPr>
+                        <a:t>embarked</a:t>
+                      </a:r>
+                    </a:p>
+                  </a:txBody>
+                  <a:tcPr marL="185426" marR="185426" marT="69535" marB="54083">
+                    <a:lnL w="9525" cap="flat" cmpd="sng" algn="ctr">
+                      <a:solidFill>
+                        <a:srgbClr val="DEDFE0"/>
+                      </a:solidFill>
+                      <a:prstDash val="solid"/>
+                      <a:round/>
+                      <a:headEnd type="none" w="med" len="med"/>
+                      <a:tailEnd type="none" w="med" len="med"/>
+                    </a:lnL>
+                    <a:lnR w="9525" cap="flat" cmpd="sng" algn="ctr">
+                      <a:solidFill>
+                        <a:srgbClr val="DEDFE0"/>
+                      </a:solidFill>
+                      <a:prstDash val="solid"/>
+                      <a:round/>
+                      <a:headEnd type="none" w="med" len="med"/>
+                      <a:tailEnd type="none" w="med" len="med"/>
+                    </a:lnR>
+                    <a:lnT w="9525" cap="flat" cmpd="sng" algn="ctr">
+                      <a:solidFill>
+                        <a:srgbClr val="DEDFE0"/>
+                      </a:solidFill>
+                      <a:prstDash val="solid"/>
+                      <a:round/>
+                      <a:headEnd type="none" w="med" len="med"/>
+                      <a:tailEnd type="none" w="med" len="med"/>
+                    </a:lnT>
+                    <a:lnB w="9525" cap="flat" cmpd="sng" algn="ctr">
+                      <a:solidFill>
+                        <a:srgbClr val="DEDFE0"/>
+                      </a:solidFill>
+                      <a:prstDash val="solid"/>
+                      <a:round/>
+                      <a:headEnd type="none" w="med" len="med"/>
+                      <a:tailEnd type="none" w="med" len="med"/>
+                    </a:lnB>
+                    <a:solidFill>
+                      <a:schemeClr val="tx1"/>
+                    </a:solidFill>
+                  </a:tcPr>
+                </a:tc>
+                <a:tc>
+                  <a:txBody>
+                    <a:bodyPr/>
+                    <a:lstStyle/>
+                    <a:p>
+                      <a:pPr fontAlgn="t"/>
+                      <a:r>
+                        <a:rPr lang="en-US" sz="1500" b="0">
+                          <a:effectLst/>
+                          <a:latin typeface="inherit"/>
+                        </a:rPr>
+                        <a:t>Port of Embarkation</a:t>
+                      </a:r>
+                    </a:p>
+                  </a:txBody>
+                  <a:tcPr marL="185426" marR="185426" marT="69535" marB="54083">
+                    <a:lnL w="9525" cap="flat" cmpd="sng" algn="ctr">
+                      <a:solidFill>
+                        <a:srgbClr val="DEDFE0"/>
+                      </a:solidFill>
+                      <a:prstDash val="solid"/>
+                      <a:round/>
+                      <a:headEnd type="none" w="med" len="med"/>
+                      <a:tailEnd type="none" w="med" len="med"/>
+                    </a:lnL>
+                    <a:lnR w="9525" cap="flat" cmpd="sng" algn="ctr">
+                      <a:solidFill>
+                        <a:srgbClr val="DEDFE0"/>
+                      </a:solidFill>
+                      <a:prstDash val="solid"/>
+                      <a:round/>
+                      <a:headEnd type="none" w="med" len="med"/>
+                      <a:tailEnd type="none" w="med" len="med"/>
+                    </a:lnR>
+                    <a:lnT w="9525" cap="flat" cmpd="sng" algn="ctr">
+                      <a:solidFill>
+                        <a:srgbClr val="DEDFE0"/>
+                      </a:solidFill>
+                      <a:prstDash val="solid"/>
+                      <a:round/>
+                      <a:headEnd type="none" w="med" len="med"/>
+                      <a:tailEnd type="none" w="med" len="med"/>
+                    </a:lnT>
+                    <a:lnB w="9525" cap="flat" cmpd="sng" algn="ctr">
+                      <a:solidFill>
+                        <a:srgbClr val="DEDFE0"/>
+                      </a:solidFill>
+                      <a:prstDash val="solid"/>
+                      <a:round/>
+                      <a:headEnd type="none" w="med" len="med"/>
+                      <a:tailEnd type="none" w="med" len="med"/>
+                    </a:lnB>
+                    <a:solidFill>
+                      <a:srgbClr val="FFFFFF"/>
+                    </a:solidFill>
+                  </a:tcPr>
+                </a:tc>
+                <a:tc>
+                  <a:txBody>
+                    <a:bodyPr/>
+                    <a:lstStyle/>
+                    <a:p>
+                      <a:pPr fontAlgn="t"/>
+                      <a:r>
+                        <a:rPr lang="en-US" sz="1500" b="0">
+                          <a:effectLst/>
+                          <a:latin typeface="inherit"/>
+                        </a:rPr>
+                        <a:t>C = Cherbourg, Q = Queenstown, S = Southampton</a:t>
+                      </a:r>
+                    </a:p>
+                  </a:txBody>
+                  <a:tcPr marL="185426" marR="185426" marT="69535" marB="54083">
+                    <a:lnL w="9525" cap="flat" cmpd="sng" algn="ctr">
+                      <a:solidFill>
+                        <a:srgbClr val="DEDFE0"/>
+                      </a:solidFill>
+                      <a:prstDash val="solid"/>
+                      <a:round/>
+                      <a:headEnd type="none" w="med" len="med"/>
+                      <a:tailEnd type="none" w="med" len="med"/>
+                    </a:lnL>
+                    <a:lnR w="9525" cap="flat" cmpd="sng" algn="ctr">
+                      <a:solidFill>
+                        <a:srgbClr val="DEDFE0"/>
+                      </a:solidFill>
+                      <a:prstDash val="solid"/>
+                      <a:round/>
+                      <a:headEnd type="none" w="med" len="med"/>
+                      <a:tailEnd type="none" w="med" len="med"/>
+                    </a:lnR>
+                    <a:lnT w="9525" cap="flat" cmpd="sng" algn="ctr">
+                      <a:solidFill>
+                        <a:srgbClr val="DEDFE0"/>
+                      </a:solidFill>
+                      <a:prstDash val="solid"/>
+                      <a:round/>
+                      <a:headEnd type="none" w="med" len="med"/>
+                      <a:tailEnd type="none" w="med" len="med"/>
+                    </a:lnT>
+                    <a:lnB w="9525" cap="flat" cmpd="sng" algn="ctr">
+                      <a:solidFill>
+                        <a:srgbClr val="DEDFE0"/>
+                      </a:solidFill>
+                      <a:prstDash val="solid"/>
+                      <a:round/>
+                      <a:headEnd type="none" w="med" len="med"/>
+                      <a:tailEnd type="none" w="med" len="med"/>
+                    </a:lnB>
+                    <a:solidFill>
+                      <a:srgbClr val="FFFFFF"/>
+                    </a:solidFill>
+                  </a:tcPr>
+                </a:tc>
+                <a:extLst>
+                  <a:ext uri="{0D108BD9-81ED-4DB2-BD59-A6C34878D82A}">
+                    <a16:rowId xmlns:a16="http://schemas.microsoft.com/office/drawing/2014/main" val="3158870649"/>
+                  </a:ext>
+                </a:extLst>
+              </a:tr>
+            </a:tbl>
+          </a:graphicData>
+        </a:graphic>
+      </p:graphicFrame>
+    </p:spTree>
+    <p:extLst>
+      <p:ext uri="{BB962C8B-B14F-4D97-AF65-F5344CB8AC3E}">
+        <p14:creationId xmlns:p14="http://schemas.microsoft.com/office/powerpoint/2010/main" val="1340818475"/>
+      </p:ext>
+    </p:extLst>
+  </p:cSld>
+  <p:clrMapOvr>
+    <a:masterClrMapping/>
+  </p:clrMapOvr>
+</p:sld>
+</file>
+
+<file path=ppt/slides/slide24.xml><?xml version="1.0" encoding="utf-8"?>
+<p:sld xmlns:a="http://schemas.openxmlformats.org/drawingml/2006/main" xmlns:r="http://schemas.openxmlformats.org/officeDocument/2006/relationships" xmlns:p="http://schemas.openxmlformats.org/presentationml/2006/main">
+  <p:cSld>
+    <p:spTree>
+      <p:nvGrpSpPr>
+        <p:cNvPr id="1" name=""/>
+        <p:cNvGrpSpPr/>
+        <p:nvPr/>
+      </p:nvGrpSpPr>
+      <p:grpSpPr>
+        <a:xfrm>
+          <a:off x="0" y="0"/>
+          <a:ext cx="0" cy="0"/>
+          <a:chOff x="0" y="0"/>
+          <a:chExt cx="0" cy="0"/>
+        </a:xfrm>
+      </p:grpSpPr>
+      <p:sp>
+        <p:nvSpPr>
+          <p:cNvPr id="2" name="Title 1">
+            <a:extLst>
+              <a:ext uri="{FF2B5EF4-FFF2-40B4-BE49-F238E27FC236}">
+                <a16:creationId xmlns:a16="http://schemas.microsoft.com/office/drawing/2014/main" id="{B6BC08A4-A97B-F248-ABF2-C2D46972B878}"/>
+              </a:ext>
+            </a:extLst>
+          </p:cNvPr>
+          <p:cNvSpPr>
+            <a:spLocks noGrp="1"/>
+          </p:cNvSpPr>
+          <p:nvPr>
+            <p:ph type="title"/>
+          </p:nvPr>
+        </p:nvSpPr>
+        <p:spPr>
+          <a:xfrm>
+            <a:off x="838200" y="365125"/>
+            <a:ext cx="10515600" cy="836951"/>
+          </a:xfrm>
+        </p:spPr>
+        <p:txBody>
+          <a:bodyPr/>
+          <a:lstStyle/>
+          <a:p>
+            <a:r>
+              <a:rPr lang="fr-FR"/>
+              <a:t>A vous: advertising et feature engineering</a:t>
+            </a:r>
+          </a:p>
+        </p:txBody>
+      </p:sp>
+      <p:sp>
+        <p:nvSpPr>
+          <p:cNvPr id="3" name="TextBox 2">
+            <a:extLst>
+              <a:ext uri="{FF2B5EF4-FFF2-40B4-BE49-F238E27FC236}">
+                <a16:creationId xmlns:a16="http://schemas.microsoft.com/office/drawing/2014/main" id="{656973F9-867E-7F44-872F-7673E1565F76}"/>
+              </a:ext>
+            </a:extLst>
+          </p:cNvPr>
+          <p:cNvSpPr txBox="1"/>
+          <p:nvPr/>
+        </p:nvSpPr>
+        <p:spPr>
+          <a:xfrm>
+            <a:off x="893852" y="1797978"/>
+            <a:ext cx="9341853" cy="4524315"/>
+          </a:xfrm>
+          <a:prstGeom prst="rect">
+            <a:avLst/>
+          </a:prstGeom>
+          <a:noFill/>
+        </p:spPr>
+        <p:txBody>
+          <a:bodyPr wrap="none" rtlCol="0">
+            <a:spAutoFit/>
+          </a:bodyPr>
+          <a:lstStyle/>
+          <a:p>
+            <a:r>
+              <a:rPr lang="fr-FR"/>
+              <a:t>Prenez le dataset advertising</a:t>
+            </a:r>
+          </a:p>
+          <a:p>
+            <a:r>
+              <a:rPr lang="fr-FR"/>
+              <a:t>Considérez toutes les variables predicteurs possibles</a:t>
+            </a:r>
+          </a:p>
+          <a:p>
+            <a:pPr marL="285750" indent="-285750">
+              <a:buFont typeface="Arial" panose="020B0604020202020204" pitchFamily="34" charset="0"/>
+              <a:buChar char="•"/>
+            </a:pPr>
+            <a:r>
+              <a:rPr lang="fr-FR"/>
+              <a:t>termes d'interactions : TV * Radio, TV: Radio, Radio:Newspaper, …</a:t>
+            </a:r>
+          </a:p>
+          <a:p>
+            <a:pPr marL="285750" indent="-285750">
+              <a:buFont typeface="Arial" panose="020B0604020202020204" pitchFamily="34" charset="0"/>
+              <a:buChar char="•"/>
+            </a:pPr>
+            <a:r>
+              <a:rPr lang="fr-FR"/>
+              <a:t>les polynomes : TV^N, …., TV^N</a:t>
+            </a:r>
+          </a:p>
+          <a:p>
+            <a:pPr marL="285750" indent="-285750">
+              <a:buFont typeface="Arial" panose="020B0604020202020204" pitchFamily="34" charset="0"/>
+              <a:buChar char="•"/>
+            </a:pPr>
+            <a:r>
+              <a:rPr lang="fr-FR"/>
+              <a:t>les transformations: log, sqrt</a:t>
+            </a:r>
+          </a:p>
+          <a:p>
+            <a:pPr marL="285750" indent="-285750">
+              <a:buFont typeface="Arial" panose="020B0604020202020204" pitchFamily="34" charset="0"/>
+              <a:buChar char="•"/>
+            </a:pPr>
+            <a:endParaRPr lang="fr-FR"/>
+          </a:p>
+          <a:p>
+            <a:r>
+              <a:rPr lang="fr-FR"/>
+              <a:t>Le but est de trouver le meilleur modèle, le meilleur set de variables qui explique la variable cible.</a:t>
+            </a:r>
+          </a:p>
+          <a:p>
+            <a:r>
+              <a:rPr lang="fr-FR"/>
+              <a:t>Pour chaque modèle prenez en compte</a:t>
+            </a:r>
+          </a:p>
+          <a:p>
+            <a:pPr marL="285750" indent="-285750">
+              <a:buFontTx/>
+              <a:buChar char="-"/>
+            </a:pPr>
+            <a:r>
+              <a:rPr lang="fr-FR"/>
+              <a:t>les coefficients, p-value etc …</a:t>
+            </a:r>
+          </a:p>
+          <a:p>
+            <a:pPr marL="285750" indent="-285750">
+              <a:buFontTx/>
+              <a:buChar char="-"/>
+            </a:pPr>
+            <a:r>
+              <a:rPr lang="fr-FR"/>
+              <a:t>R-squared et Adj. R-squared</a:t>
+            </a:r>
+          </a:p>
+          <a:p>
+            <a:pPr marL="285750" indent="-285750">
+              <a:buFontTx/>
+              <a:buChar char="-"/>
+            </a:pPr>
+            <a:r>
+              <a:rPr lang="fr-FR"/>
+              <a:t>Log likelihood</a:t>
+            </a:r>
+          </a:p>
+          <a:p>
+            <a:pPr marL="285750" indent="-285750">
+              <a:buFontTx/>
+              <a:buChar char="-"/>
+            </a:pPr>
+            <a:r>
+              <a:rPr lang="fr-FR"/>
+              <a:t>et RMSE = sum(residuals^2)</a:t>
+            </a:r>
+          </a:p>
+          <a:p>
+            <a:endParaRPr lang="fr-FR"/>
+          </a:p>
+          <a:p>
+            <a:r>
+              <a:rPr lang="fr-FR"/>
+              <a:t>Par exemple:</a:t>
+            </a:r>
+          </a:p>
+          <a:p>
+            <a:pPr marL="285750" indent="-285750">
+              <a:buFont typeface="Arial" panose="020B0604020202020204" pitchFamily="34" charset="0"/>
+              <a:buChar char="•"/>
+            </a:pPr>
+            <a:r>
+              <a:rPr lang="fr-FR"/>
+              <a:t>comparez Sales ~ TV + Radio à Sales ~ sqrt(TV) + Radio + TV:Newspaper</a:t>
+            </a:r>
+          </a:p>
+          <a:p>
+            <a:pPr marL="285750" indent="-285750">
+              <a:buFont typeface="Arial" panose="020B0604020202020204" pitchFamily="34" charset="0"/>
+              <a:buChar char="•"/>
+            </a:pPr>
+            <a:endParaRPr lang="fr-FR"/>
+          </a:p>
+        </p:txBody>
+      </p:sp>
+    </p:spTree>
+    <p:extLst>
+      <p:ext uri="{BB962C8B-B14F-4D97-AF65-F5344CB8AC3E}">
+        <p14:creationId xmlns:p14="http://schemas.microsoft.com/office/powerpoint/2010/main" val="2547038877"/>
       </p:ext>
     </p:extLst>
   </p:cSld>
@@ -7798,6 +11794,227 @@
       </p:grpSpPr>
       <p:sp>
         <p:nvSpPr>
+          <p:cNvPr id="3" name="Rectangle 2">
+            <a:extLst>
+              <a:ext uri="{FF2B5EF4-FFF2-40B4-BE49-F238E27FC236}">
+                <a16:creationId xmlns:a16="http://schemas.microsoft.com/office/drawing/2014/main" id="{DCFE6782-BE85-144D-A056-13064A0CF923}"/>
+              </a:ext>
+            </a:extLst>
+          </p:cNvPr>
+          <p:cNvSpPr/>
+          <p:nvPr/>
+        </p:nvSpPr>
+        <p:spPr>
+          <a:xfrm>
+            <a:off x="1075361" y="1371518"/>
+            <a:ext cx="6096000" cy="3416320"/>
+          </a:xfrm>
+          <a:prstGeom prst="rect">
+            <a:avLst/>
+          </a:prstGeom>
+        </p:spPr>
+        <p:txBody>
+          <a:bodyPr>
+            <a:spAutoFit/>
+          </a:bodyPr>
+          <a:lstStyle/>
+          <a:p>
+            <a:r>
+              <a:rPr lang="fr-FR"/>
+              <a:t>ONE HOT ENCODING </a:t>
+            </a:r>
+          </a:p>
+          <a:p>
+            <a:r>
+              <a:rPr lang="fr-FR"/>
+              <a:t>Comment traduire les variables quantitative en variables numeriques</a:t>
+            </a:r>
+          </a:p>
+          <a:p>
+            <a:r>
+              <a:rPr lang="fr-FR"/>
+              <a:t>Binaires</a:t>
+            </a:r>
+          </a:p>
+          <a:p>
+            <a:r>
+              <a:rPr lang="fr-FR"/>
+              <a:t>Oui/Non;1/0</a:t>
+            </a:r>
+          </a:p>
+          <a:p>
+            <a:r>
+              <a:rPr lang="fr-FR"/>
+              <a:t>Homme / Femme</a:t>
+            </a:r>
+          </a:p>
+          <a:p>
+            <a:r>
+              <a:rPr lang="fr-FR"/>
+              <a:t>Spam / legit</a:t>
+            </a:r>
+          </a:p>
+          <a:p>
+            <a:r>
+              <a:rPr lang="fr-FR"/>
+              <a:t>Action: Achete, enregistre, Identification</a:t>
+            </a:r>
+          </a:p>
+          <a:p>
+            <a:r>
+              <a:rPr lang="fr-FR"/>
+              <a:t>Multinomiales</a:t>
+            </a:r>
+          </a:p>
+          <a:p>
+            <a:r>
+              <a:rPr lang="fr-FR"/>
+              <a:t>liste de villes, pays, destinations, tranche d'age</a:t>
+            </a:r>
+          </a:p>
+          <a:p>
+            <a:r>
+              <a:rPr lang="fr-FR"/>
+              <a:t>niveau d'etude</a:t>
+            </a:r>
+          </a:p>
+          <a:p>
+            <a:r>
+              <a:rPr lang="fr-FR"/>
+              <a:t>marques de voiture</a:t>
+            </a:r>
+          </a:p>
+        </p:txBody>
+      </p:sp>
+      <p:sp>
+        <p:nvSpPr>
+          <p:cNvPr id="4" name="Rectangle 3">
+            <a:extLst>
+              <a:ext uri="{FF2B5EF4-FFF2-40B4-BE49-F238E27FC236}">
+                <a16:creationId xmlns:a16="http://schemas.microsoft.com/office/drawing/2014/main" id="{FAB93D78-C05B-B040-9561-D370F02A99CB}"/>
+              </a:ext>
+            </a:extLst>
+          </p:cNvPr>
+          <p:cNvSpPr/>
+          <p:nvPr/>
+        </p:nvSpPr>
+        <p:spPr>
+          <a:xfrm>
+            <a:off x="6059488" y="962167"/>
+            <a:ext cx="6096000" cy="4524315"/>
+          </a:xfrm>
+          <a:prstGeom prst="rect">
+            <a:avLst/>
+          </a:prstGeom>
+        </p:spPr>
+        <p:txBody>
+          <a:bodyPr>
+            <a:spAutoFit/>
+          </a:bodyPr>
+          <a:lstStyle/>
+          <a:p>
+            <a:r>
+              <a:rPr lang="fr-FR"/>
+              <a:t>EXEMPLES</a:t>
+            </a:r>
+          </a:p>
+          <a:p>
+            <a:endParaRPr lang="fr-FR"/>
+          </a:p>
+          <a:p>
+            <a:r>
+              <a:rPr lang="fr-FR"/>
+              <a:t>Marque de voiture: Audi, Renault, Ford, Fiat</a:t>
+            </a:r>
+          </a:p>
+          <a:p>
+            <a:r>
+              <a:rPr lang="fr-FR"/>
+              <a:t>  </a:t>
+            </a:r>
+          </a:p>
+          <a:p>
+            <a:r>
+              <a:rPr lang="fr-FR"/>
+              <a:t> Si on assigne un numero arbitraire à chaque marque de voiture on crée une hiérarchie:</a:t>
+            </a:r>
+          </a:p>
+          <a:p>
+            <a:r>
+              <a:rPr lang="fr-FR"/>
+              <a:t>Audi =&gt;1 , Renault =&gt; 2, Ford =&gt; 3, Fiat =&gt; 4</a:t>
+            </a:r>
+          </a:p>
+          <a:p>
+            <a:endParaRPr lang="fr-FR"/>
+          </a:p>
+          <a:p>
+            <a:r>
+              <a:rPr lang="fr-FR"/>
+              <a:t>De meme:</a:t>
+            </a:r>
+          </a:p>
+          <a:p>
+            <a:r>
+              <a:rPr lang="fr-FR"/>
+              <a:t>chien, chat, souris, poulet =&gt; {1,2,3,4}</a:t>
+            </a:r>
+          </a:p>
+          <a:p>
+            <a:r>
+              <a:rPr lang="fr-FR"/>
+              <a:t>pourquoi le poulet serait 4 fois le chien ? Ca ne fait pas sens.</a:t>
+            </a:r>
+          </a:p>
+          <a:p>
+            <a:endParaRPr lang="fr-FR"/>
+          </a:p>
+          <a:p>
+            <a:r>
+              <a:rPr lang="fr-FR"/>
+              <a:t>Parfois on peut quand meme assigner un chiffre à chaque categorie, catégories ordonnées</a:t>
+            </a:r>
+          </a:p>
+          <a:p>
+            <a:r>
+              <a:rPr lang="fr-FR"/>
+              <a:t>         enfant, jeune, adulte, vieux =&gt; {1,2,3,4} negatif, neutre, positif =&gt; {-1, 0, 1}</a:t>
+            </a:r>
+          </a:p>
+        </p:txBody>
+      </p:sp>
+    </p:spTree>
+    <p:extLst>
+      <p:ext uri="{BB962C8B-B14F-4D97-AF65-F5344CB8AC3E}">
+        <p14:creationId xmlns:p14="http://schemas.microsoft.com/office/powerpoint/2010/main" val="1658091611"/>
+      </p:ext>
+    </p:extLst>
+  </p:cSld>
+  <p:clrMapOvr>
+    <a:masterClrMapping/>
+  </p:clrMapOvr>
+</p:sld>
+</file>
+
+<file path=ppt/slides/slide5.xml><?xml version="1.0" encoding="utf-8"?>
+<p:sld xmlns:a="http://schemas.openxmlformats.org/drawingml/2006/main" xmlns:r="http://schemas.openxmlformats.org/officeDocument/2006/relationships" xmlns:p="http://schemas.openxmlformats.org/presentationml/2006/main">
+  <p:cSld>
+    <p:spTree>
+      <p:nvGrpSpPr>
+        <p:cNvPr id="1" name=""/>
+        <p:cNvGrpSpPr/>
+        <p:nvPr/>
+      </p:nvGrpSpPr>
+      <p:grpSpPr>
+        <a:xfrm>
+          <a:off x="0" y="0"/>
+          <a:ext cx="0" cy="0"/>
+          <a:chOff x="0" y="0"/>
+          <a:chExt cx="0" cy="0"/>
+        </a:xfrm>
+      </p:grpSpPr>
+      <p:sp>
+        <p:nvSpPr>
           <p:cNvPr id="2" name="Title 1">
             <a:extLst>
               <a:ext uri="{FF2B5EF4-FFF2-40B4-BE49-F238E27FC236}">
@@ -7867,7 +12084,7 @@
 </p:sld>
 </file>
 
-<file path=ppt/slides/slide5.xml><?xml version="1.0" encoding="utf-8"?>
+<file path=ppt/slides/slide6.xml><?xml version="1.0" encoding="utf-8"?>
 <p:sld xmlns:a="http://schemas.openxmlformats.org/drawingml/2006/main" xmlns:r="http://schemas.openxmlformats.org/officeDocument/2006/relationships" xmlns:p="http://schemas.openxmlformats.org/presentationml/2006/main">
   <p:cSld>
     <p:spTree>
@@ -7927,7 +12144,7 @@
 </p:sld>
 </file>
 
-<file path=ppt/slides/slide6.xml><?xml version="1.0" encoding="utf-8"?>
+<file path=ppt/slides/slide7.xml><?xml version="1.0" encoding="utf-8"?>
 <p:sld xmlns:a="http://schemas.openxmlformats.org/drawingml/2006/main" xmlns:r="http://schemas.openxmlformats.org/officeDocument/2006/relationships" xmlns:p="http://schemas.openxmlformats.org/presentationml/2006/main">
   <p:cSld>
     <p:spTree>
@@ -8209,7 +12426,7 @@
 </p:sld>
 </file>
 
-<file path=ppt/slides/slide7.xml><?xml version="1.0" encoding="utf-8"?>
+<file path=ppt/slides/slide8.xml><?xml version="1.0" encoding="utf-8"?>
 <p:sld xmlns:a="http://schemas.openxmlformats.org/drawingml/2006/main" xmlns:r="http://schemas.openxmlformats.org/officeDocument/2006/relationships" xmlns:p="http://schemas.openxmlformats.org/presentationml/2006/main">
   <p:cSld>
     <p:spTree>
@@ -8700,7 +12917,7 @@
 </p:sld>
 </file>
 
-<file path=ppt/slides/slide8.xml><?xml version="1.0" encoding="utf-8"?>
+<file path=ppt/slides/slide9.xml><?xml version="1.0" encoding="utf-8"?>
 <p:sld xmlns:a="http://schemas.openxmlformats.org/drawingml/2006/main" xmlns:r="http://schemas.openxmlformats.org/officeDocument/2006/relationships" xmlns:p="http://schemas.openxmlformats.org/presentationml/2006/main">
   <p:cSld>
     <p:spTree>
@@ -9146,272 +13363,6 @@
     <p:extLst>
       <p:ext uri="{BB962C8B-B14F-4D97-AF65-F5344CB8AC3E}">
         <p14:creationId xmlns:p14="http://schemas.microsoft.com/office/powerpoint/2010/main" val="2994076167"/>
-      </p:ext>
-    </p:extLst>
-  </p:cSld>
-  <p:clrMapOvr>
-    <a:masterClrMapping/>
-  </p:clrMapOvr>
-</p:sld>
-</file>
-
-<file path=ppt/slides/slide9.xml><?xml version="1.0" encoding="utf-8"?>
-<p:sld xmlns:a="http://schemas.openxmlformats.org/drawingml/2006/main" xmlns:r="http://schemas.openxmlformats.org/officeDocument/2006/relationships" xmlns:p="http://schemas.openxmlformats.org/presentationml/2006/main">
-  <p:cSld>
-    <p:spTree>
-      <p:nvGrpSpPr>
-        <p:cNvPr id="1" name=""/>
-        <p:cNvGrpSpPr/>
-        <p:nvPr/>
-      </p:nvGrpSpPr>
-      <p:grpSpPr>
-        <a:xfrm>
-          <a:off x="0" y="0"/>
-          <a:ext cx="0" cy="0"/>
-          <a:chOff x="0" y="0"/>
-          <a:chExt cx="0" cy="0"/>
-        </a:xfrm>
-      </p:grpSpPr>
-      <p:sp>
-        <p:nvSpPr>
-          <p:cNvPr id="3" name="TextBox 2">
-            <a:extLst>
-              <a:ext uri="{FF2B5EF4-FFF2-40B4-BE49-F238E27FC236}">
-                <a16:creationId xmlns:a16="http://schemas.microsoft.com/office/drawing/2014/main" id="{BAFFE59B-EDCF-9949-B814-344CE45726F5}"/>
-              </a:ext>
-            </a:extLst>
-          </p:cNvPr>
-          <p:cNvSpPr txBox="1"/>
-          <p:nvPr/>
-        </p:nvSpPr>
-        <p:spPr>
-          <a:xfrm>
-            <a:off x="1211065" y="688715"/>
-            <a:ext cx="10202238" cy="369332"/>
-          </a:xfrm>
-          <a:prstGeom prst="rect">
-            <a:avLst/>
-          </a:prstGeom>
-          <a:solidFill>
-            <a:schemeClr val="accent2">
-              <a:lumMod val="75000"/>
-            </a:schemeClr>
-          </a:solidFill>
-        </p:spPr>
-        <p:txBody>
-          <a:bodyPr wrap="square" rtlCol="0">
-            <a:spAutoFit/>
-          </a:bodyPr>
-          <a:lstStyle/>
-          <a:p>
-            <a:r>
-              <a:rPr lang="fr-FR">
-                <a:solidFill>
-                  <a:schemeClr val="bg1">
-                    <a:lumMod val="85000"/>
-                  </a:schemeClr>
-                </a:solidFill>
-              </a:rPr>
-              <a:t>L'</a:t>
-            </a:r>
-            <a:r>
-              <a:rPr lang="fr-FR">
-                <a:solidFill>
-                  <a:schemeClr val="bg1"/>
-                </a:solidFill>
-              </a:rPr>
-              <a:t>histogramme des valeurs estimées</a:t>
-            </a:r>
-            <a:r>
-              <a:rPr lang="fr-FR">
-                <a:solidFill>
-                  <a:schemeClr val="bg1">
-                    <a:lumMod val="85000"/>
-                  </a:schemeClr>
-                </a:solidFill>
-              </a:rPr>
-              <a:t> donne une bonne indication du pouvoir de séparation du modèle</a:t>
-            </a:r>
-          </a:p>
-        </p:txBody>
-      </p:sp>
-      <p:pic>
-        <p:nvPicPr>
-          <p:cNvPr id="5" name="Picture 4">
-            <a:extLst>
-              <a:ext uri="{FF2B5EF4-FFF2-40B4-BE49-F238E27FC236}">
-                <a16:creationId xmlns:a16="http://schemas.microsoft.com/office/drawing/2014/main" id="{3EE1ECA1-7342-AE4A-9C2D-FE165D506278}"/>
-              </a:ext>
-            </a:extLst>
-          </p:cNvPr>
-          <p:cNvPicPr>
-            <a:picLocks noChangeAspect="1"/>
-          </p:cNvPicPr>
-          <p:nvPr/>
-        </p:nvPicPr>
-        <p:blipFill>
-          <a:blip r:embed="rId2"/>
-          <a:stretch>
-            <a:fillRect/>
-          </a:stretch>
-        </p:blipFill>
-        <p:spPr>
-          <a:xfrm>
-            <a:off x="6246688" y="2637258"/>
-            <a:ext cx="5945312" cy="3963541"/>
-          </a:xfrm>
-          <a:prstGeom prst="rect">
-            <a:avLst/>
-          </a:prstGeom>
-        </p:spPr>
-      </p:pic>
-      <p:pic>
-        <p:nvPicPr>
-          <p:cNvPr id="7" name="Picture 6">
-            <a:extLst>
-              <a:ext uri="{FF2B5EF4-FFF2-40B4-BE49-F238E27FC236}">
-                <a16:creationId xmlns:a16="http://schemas.microsoft.com/office/drawing/2014/main" id="{78D910C3-AA33-9E4E-B075-E9B47F7EC04E}"/>
-              </a:ext>
-            </a:extLst>
-          </p:cNvPr>
-          <p:cNvPicPr>
-            <a:picLocks noChangeAspect="1"/>
-          </p:cNvPicPr>
-          <p:nvPr/>
-        </p:nvPicPr>
-        <p:blipFill>
-          <a:blip r:embed="rId3"/>
-          <a:stretch>
-            <a:fillRect/>
-          </a:stretch>
-        </p:blipFill>
-        <p:spPr>
-          <a:xfrm>
-            <a:off x="152826" y="2812203"/>
-            <a:ext cx="5682894" cy="3788596"/>
-          </a:xfrm>
-          <a:prstGeom prst="rect">
-            <a:avLst/>
-          </a:prstGeom>
-        </p:spPr>
-      </p:pic>
-      <p:sp>
-        <p:nvSpPr>
-          <p:cNvPr id="8" name="TextBox 7">
-            <a:extLst>
-              <a:ext uri="{FF2B5EF4-FFF2-40B4-BE49-F238E27FC236}">
-                <a16:creationId xmlns:a16="http://schemas.microsoft.com/office/drawing/2014/main" id="{A05D3BBE-5AB8-D04B-B22E-E853823E5880}"/>
-              </a:ext>
-            </a:extLst>
-          </p:cNvPr>
-          <p:cNvSpPr txBox="1"/>
-          <p:nvPr/>
-        </p:nvSpPr>
-        <p:spPr>
-          <a:xfrm>
-            <a:off x="2465798" y="2126751"/>
-            <a:ext cx="1732975" cy="369332"/>
-          </a:xfrm>
-          <a:prstGeom prst="rect">
-            <a:avLst/>
-          </a:prstGeom>
-          <a:noFill/>
-        </p:spPr>
-        <p:txBody>
-          <a:bodyPr wrap="none" rtlCol="0">
-            <a:spAutoFit/>
-          </a:bodyPr>
-          <a:lstStyle/>
-          <a:p>
-            <a:r>
-              <a:rPr lang="fr-FR"/>
-              <a:t>Mauvais modèle</a:t>
-            </a:r>
-          </a:p>
-        </p:txBody>
-      </p:sp>
-      <p:sp>
-        <p:nvSpPr>
-          <p:cNvPr id="9" name="TextBox 8">
-            <a:extLst>
-              <a:ext uri="{FF2B5EF4-FFF2-40B4-BE49-F238E27FC236}">
-                <a16:creationId xmlns:a16="http://schemas.microsoft.com/office/drawing/2014/main" id="{8FE65DFF-0BB7-A845-8D9F-96CBE7A64C90}"/>
-              </a:ext>
-            </a:extLst>
-          </p:cNvPr>
-          <p:cNvSpPr txBox="1"/>
-          <p:nvPr/>
-        </p:nvSpPr>
-        <p:spPr>
-          <a:xfrm>
-            <a:off x="7993229" y="2126751"/>
-            <a:ext cx="1786771" cy="369332"/>
-          </a:xfrm>
-          <a:prstGeom prst="rect">
-            <a:avLst/>
-          </a:prstGeom>
-          <a:noFill/>
-        </p:spPr>
-        <p:txBody>
-          <a:bodyPr wrap="none" rtlCol="0">
-            <a:spAutoFit/>
-          </a:bodyPr>
-          <a:lstStyle/>
-          <a:p>
-            <a:r>
-              <a:rPr lang="fr-FR"/>
-              <a:t>Excellent modèle</a:t>
-            </a:r>
-          </a:p>
-        </p:txBody>
-      </p:sp>
-      <p:sp>
-        <p:nvSpPr>
-          <p:cNvPr id="12" name="Rectangle 11">
-            <a:extLst>
-              <a:ext uri="{FF2B5EF4-FFF2-40B4-BE49-F238E27FC236}">
-                <a16:creationId xmlns:a16="http://schemas.microsoft.com/office/drawing/2014/main" id="{2F929B72-DF51-8A4F-82B4-E3BA3995B38E}"/>
-              </a:ext>
-            </a:extLst>
-          </p:cNvPr>
-          <p:cNvSpPr/>
-          <p:nvPr/>
-        </p:nvSpPr>
-        <p:spPr>
-          <a:xfrm>
-            <a:off x="1211065" y="1441299"/>
-            <a:ext cx="6939720" cy="369332"/>
-          </a:xfrm>
-          <a:prstGeom prst="rect">
-            <a:avLst/>
-          </a:prstGeom>
-          <a:solidFill>
-            <a:schemeClr val="tx1"/>
-          </a:solidFill>
-        </p:spPr>
-        <p:txBody>
-          <a:bodyPr wrap="none">
-            <a:spAutoFit/>
-          </a:bodyPr>
-          <a:lstStyle/>
-          <a:p>
-            <a:r>
-              <a:rPr lang="fr-FR">
-                <a:solidFill>
-                  <a:schemeClr val="bg1"/>
-                </a:solidFill>
-                <a:latin typeface="Courier New" panose="02070309020205020404" pitchFamily="49" charset="0"/>
-                <a:cs typeface="Courier New" panose="02070309020205020404" pitchFamily="49" charset="0"/>
-              </a:rPr>
-              <a:t>yhat = results.predict(df[['income', 'balance']])</a:t>
-            </a:r>
-          </a:p>
-        </p:txBody>
-      </p:sp>
-    </p:spTree>
-    <p:extLst>
-      <p:ext uri="{BB962C8B-B14F-4D97-AF65-F5344CB8AC3E}">
-        <p14:creationId xmlns:p14="http://schemas.microsoft.com/office/powerpoint/2010/main" val="499530351"/>
       </p:ext>
     </p:extLst>
   </p:cSld>
